--- a/PythonBatchTools/BatchVideoIntros/intro_test.pptx
+++ b/PythonBatchTools/BatchVideoIntros/intro_test.pptx
@@ -129,7 +129,7 @@
           <p:cNvPr id="2" name="Title 1">
             <a:extLst>
               <a:ext uri="{FF2B5EF4-FFF2-40B4-BE49-F238E27FC236}">
-                <a16:creationId xmlns:a16="http://schemas.microsoft.com/office/drawing/2014/main" id="{5FB072AF-71F5-86BF-C120-DC10A1E085B6}"/>
+                <a16:creationId xmlns:a16="http://schemas.microsoft.com/office/drawing/2014/main" id="{0A6EAFEA-8A6E-9723-1AAD-287C1DA87571}"/>
               </a:ext>
             </a:extLst>
           </p:cNvPr>
@@ -166,7 +166,7 @@
           <p:cNvPr id="3" name="Subtitle 2">
             <a:extLst>
               <a:ext uri="{FF2B5EF4-FFF2-40B4-BE49-F238E27FC236}">
-                <a16:creationId xmlns:a16="http://schemas.microsoft.com/office/drawing/2014/main" id="{9DF2ADF0-C93C-A80C-B8AE-1F3A0F855008}"/>
+                <a16:creationId xmlns:a16="http://schemas.microsoft.com/office/drawing/2014/main" id="{513A4972-1705-1405-A2CB-CE581E252BB2}"/>
               </a:ext>
             </a:extLst>
           </p:cNvPr>
@@ -236,7 +236,7 @@
           <p:cNvPr id="4" name="Date Placeholder 3">
             <a:extLst>
               <a:ext uri="{FF2B5EF4-FFF2-40B4-BE49-F238E27FC236}">
-                <a16:creationId xmlns:a16="http://schemas.microsoft.com/office/drawing/2014/main" id="{236CCE51-5BD9-222F-AC41-C477100317F1}"/>
+                <a16:creationId xmlns:a16="http://schemas.microsoft.com/office/drawing/2014/main" id="{34BD4B3E-2707-5A1B-6739-DA0A95A0C99B}"/>
               </a:ext>
             </a:extLst>
           </p:cNvPr>
@@ -252,7 +252,7 @@
           <a:bodyPr/>
           <a:lstStyle/>
           <a:p>
-            <a:fld id="{B2C49661-64CC-4D0A-9021-BF129A847C21}" type="datetimeFigureOut">
+            <a:fld id="{14B025BC-CC6C-43BD-9371-5F9D36C840BD}" type="datetimeFigureOut">
               <a:rPr lang="en-US" smtClean="0"/>
               <a:t>8/24/2024</a:t>
             </a:fld>
@@ -265,7 +265,7 @@
           <p:cNvPr id="5" name="Footer Placeholder 4">
             <a:extLst>
               <a:ext uri="{FF2B5EF4-FFF2-40B4-BE49-F238E27FC236}">
-                <a16:creationId xmlns:a16="http://schemas.microsoft.com/office/drawing/2014/main" id="{9D6D7A3A-76BC-0AEB-C5D2-AD87F5576C3A}"/>
+                <a16:creationId xmlns:a16="http://schemas.microsoft.com/office/drawing/2014/main" id="{ADD745BD-9E19-C913-EE20-B0454C395B2D}"/>
               </a:ext>
             </a:extLst>
           </p:cNvPr>
@@ -290,7 +290,7 @@
           <p:cNvPr id="6" name="Slide Number Placeholder 5">
             <a:extLst>
               <a:ext uri="{FF2B5EF4-FFF2-40B4-BE49-F238E27FC236}">
-                <a16:creationId xmlns:a16="http://schemas.microsoft.com/office/drawing/2014/main" id="{570B8B80-8187-C519-5AC4-9B0CBB3B1CBB}"/>
+                <a16:creationId xmlns:a16="http://schemas.microsoft.com/office/drawing/2014/main" id="{E5664362-DEE0-FCF8-7F55-9323F6681535}"/>
               </a:ext>
             </a:extLst>
           </p:cNvPr>
@@ -306,7 +306,7 @@
           <a:bodyPr/>
           <a:lstStyle/>
           <a:p>
-            <a:fld id="{2C9E350F-E808-49C6-A280-5AF6D96D355B}" type="slidenum">
+            <a:fld id="{7B5BB846-8F45-4504-BDC0-0F7BC707794B}" type="slidenum">
               <a:rPr lang="en-US" smtClean="0"/>
               <a:t>‹#›</a:t>
             </a:fld>
@@ -317,7 +317,7 @@
     </p:spTree>
     <p:extLst>
       <p:ext uri="{BB962C8B-B14F-4D97-AF65-F5344CB8AC3E}">
-        <p14:creationId xmlns:p14="http://schemas.microsoft.com/office/powerpoint/2010/main" val="3501648684"/>
+        <p14:creationId xmlns:p14="http://schemas.microsoft.com/office/powerpoint/2010/main" val="3310454484"/>
       </p:ext>
     </p:extLst>
   </p:cSld>
@@ -349,7 +349,7 @@
           <p:cNvPr id="2" name="Title 1">
             <a:extLst>
               <a:ext uri="{FF2B5EF4-FFF2-40B4-BE49-F238E27FC236}">
-                <a16:creationId xmlns:a16="http://schemas.microsoft.com/office/drawing/2014/main" id="{EB0F6484-1CD1-CA97-30FF-E2760F8FE1C3}"/>
+                <a16:creationId xmlns:a16="http://schemas.microsoft.com/office/drawing/2014/main" id="{7B94D341-F87C-EFAD-4564-D8F2F96E34C3}"/>
               </a:ext>
             </a:extLst>
           </p:cNvPr>
@@ -377,7 +377,7 @@
           <p:cNvPr id="3" name="Vertical Text Placeholder 2">
             <a:extLst>
               <a:ext uri="{FF2B5EF4-FFF2-40B4-BE49-F238E27FC236}">
-                <a16:creationId xmlns:a16="http://schemas.microsoft.com/office/drawing/2014/main" id="{D3F643E3-D93A-DD9A-2D21-1C7E61D9AF13}"/>
+                <a16:creationId xmlns:a16="http://schemas.microsoft.com/office/drawing/2014/main" id="{17096F3E-2CFA-F092-12A5-1C00B827C6F3}"/>
               </a:ext>
             </a:extLst>
           </p:cNvPr>
@@ -434,7 +434,7 @@
           <p:cNvPr id="4" name="Date Placeholder 3">
             <a:extLst>
               <a:ext uri="{FF2B5EF4-FFF2-40B4-BE49-F238E27FC236}">
-                <a16:creationId xmlns:a16="http://schemas.microsoft.com/office/drawing/2014/main" id="{A5740EB3-694F-1969-DFCF-A8DA439A734E}"/>
+                <a16:creationId xmlns:a16="http://schemas.microsoft.com/office/drawing/2014/main" id="{B18CE594-C154-D1C8-A096-D54E9C91EDC8}"/>
               </a:ext>
             </a:extLst>
           </p:cNvPr>
@@ -450,7 +450,7 @@
           <a:bodyPr/>
           <a:lstStyle/>
           <a:p>
-            <a:fld id="{B2C49661-64CC-4D0A-9021-BF129A847C21}" type="datetimeFigureOut">
+            <a:fld id="{14B025BC-CC6C-43BD-9371-5F9D36C840BD}" type="datetimeFigureOut">
               <a:rPr lang="en-US" smtClean="0"/>
               <a:t>8/24/2024</a:t>
             </a:fld>
@@ -463,7 +463,7 @@
           <p:cNvPr id="5" name="Footer Placeholder 4">
             <a:extLst>
               <a:ext uri="{FF2B5EF4-FFF2-40B4-BE49-F238E27FC236}">
-                <a16:creationId xmlns:a16="http://schemas.microsoft.com/office/drawing/2014/main" id="{78881D75-C549-3963-B58A-303C92DC3353}"/>
+                <a16:creationId xmlns:a16="http://schemas.microsoft.com/office/drawing/2014/main" id="{1217466D-17D8-F092-E8BB-62D3CD25C49C}"/>
               </a:ext>
             </a:extLst>
           </p:cNvPr>
@@ -488,7 +488,7 @@
           <p:cNvPr id="6" name="Slide Number Placeholder 5">
             <a:extLst>
               <a:ext uri="{FF2B5EF4-FFF2-40B4-BE49-F238E27FC236}">
-                <a16:creationId xmlns:a16="http://schemas.microsoft.com/office/drawing/2014/main" id="{F1DD9652-E907-55CA-5D24-FD825410D61D}"/>
+                <a16:creationId xmlns:a16="http://schemas.microsoft.com/office/drawing/2014/main" id="{15385F41-D508-8629-B80D-4A7626890057}"/>
               </a:ext>
             </a:extLst>
           </p:cNvPr>
@@ -504,7 +504,7 @@
           <a:bodyPr/>
           <a:lstStyle/>
           <a:p>
-            <a:fld id="{2C9E350F-E808-49C6-A280-5AF6D96D355B}" type="slidenum">
+            <a:fld id="{7B5BB846-8F45-4504-BDC0-0F7BC707794B}" type="slidenum">
               <a:rPr lang="en-US" smtClean="0"/>
               <a:t>‹#›</a:t>
             </a:fld>
@@ -515,7 +515,7 @@
     </p:spTree>
     <p:extLst>
       <p:ext uri="{BB962C8B-B14F-4D97-AF65-F5344CB8AC3E}">
-        <p14:creationId xmlns:p14="http://schemas.microsoft.com/office/powerpoint/2010/main" val="156611214"/>
+        <p14:creationId xmlns:p14="http://schemas.microsoft.com/office/powerpoint/2010/main" val="4037388198"/>
       </p:ext>
     </p:extLst>
   </p:cSld>
@@ -547,7 +547,7 @@
           <p:cNvPr id="2" name="Vertical Title 1">
             <a:extLst>
               <a:ext uri="{FF2B5EF4-FFF2-40B4-BE49-F238E27FC236}">
-                <a16:creationId xmlns:a16="http://schemas.microsoft.com/office/drawing/2014/main" id="{AD61ADEF-EC5D-318C-7FBA-74CB301270F1}"/>
+                <a16:creationId xmlns:a16="http://schemas.microsoft.com/office/drawing/2014/main" id="{D8BBAC77-19E0-C2BC-5B12-968B1E5A2C1F}"/>
               </a:ext>
             </a:extLst>
           </p:cNvPr>
@@ -580,7 +580,7 @@
           <p:cNvPr id="3" name="Vertical Text Placeholder 2">
             <a:extLst>
               <a:ext uri="{FF2B5EF4-FFF2-40B4-BE49-F238E27FC236}">
-                <a16:creationId xmlns:a16="http://schemas.microsoft.com/office/drawing/2014/main" id="{AF206FDF-12C9-C293-DB08-9D6685FCFED1}"/>
+                <a16:creationId xmlns:a16="http://schemas.microsoft.com/office/drawing/2014/main" id="{50BD92F8-6973-0971-F734-5F9A161F7D95}"/>
               </a:ext>
             </a:extLst>
           </p:cNvPr>
@@ -642,7 +642,7 @@
           <p:cNvPr id="4" name="Date Placeholder 3">
             <a:extLst>
               <a:ext uri="{FF2B5EF4-FFF2-40B4-BE49-F238E27FC236}">
-                <a16:creationId xmlns:a16="http://schemas.microsoft.com/office/drawing/2014/main" id="{DF7451B1-E7EC-9EE1-EC2D-AAC5C343D9FD}"/>
+                <a16:creationId xmlns:a16="http://schemas.microsoft.com/office/drawing/2014/main" id="{3474AB76-4C85-790C-5752-157F59057AE2}"/>
               </a:ext>
             </a:extLst>
           </p:cNvPr>
@@ -658,7 +658,7 @@
           <a:bodyPr/>
           <a:lstStyle/>
           <a:p>
-            <a:fld id="{B2C49661-64CC-4D0A-9021-BF129A847C21}" type="datetimeFigureOut">
+            <a:fld id="{14B025BC-CC6C-43BD-9371-5F9D36C840BD}" type="datetimeFigureOut">
               <a:rPr lang="en-US" smtClean="0"/>
               <a:t>8/24/2024</a:t>
             </a:fld>
@@ -671,7 +671,7 @@
           <p:cNvPr id="5" name="Footer Placeholder 4">
             <a:extLst>
               <a:ext uri="{FF2B5EF4-FFF2-40B4-BE49-F238E27FC236}">
-                <a16:creationId xmlns:a16="http://schemas.microsoft.com/office/drawing/2014/main" id="{49EF52B0-8164-7F22-E6FE-934F76BB0848}"/>
+                <a16:creationId xmlns:a16="http://schemas.microsoft.com/office/drawing/2014/main" id="{20DEE8E9-63E5-BBF4-207E-B8D730BF10EC}"/>
               </a:ext>
             </a:extLst>
           </p:cNvPr>
@@ -696,7 +696,7 @@
           <p:cNvPr id="6" name="Slide Number Placeholder 5">
             <a:extLst>
               <a:ext uri="{FF2B5EF4-FFF2-40B4-BE49-F238E27FC236}">
-                <a16:creationId xmlns:a16="http://schemas.microsoft.com/office/drawing/2014/main" id="{DF2C300E-1C62-CFCF-AF86-656CA6DAC2A8}"/>
+                <a16:creationId xmlns:a16="http://schemas.microsoft.com/office/drawing/2014/main" id="{DECFEB64-6712-7386-DBCA-3AB8CC7F90E0}"/>
               </a:ext>
             </a:extLst>
           </p:cNvPr>
@@ -712,7 +712,7 @@
           <a:bodyPr/>
           <a:lstStyle/>
           <a:p>
-            <a:fld id="{2C9E350F-E808-49C6-A280-5AF6D96D355B}" type="slidenum">
+            <a:fld id="{7B5BB846-8F45-4504-BDC0-0F7BC707794B}" type="slidenum">
               <a:rPr lang="en-US" smtClean="0"/>
               <a:t>‹#›</a:t>
             </a:fld>
@@ -723,7 +723,7 @@
     </p:spTree>
     <p:extLst>
       <p:ext uri="{BB962C8B-B14F-4D97-AF65-F5344CB8AC3E}">
-        <p14:creationId xmlns:p14="http://schemas.microsoft.com/office/powerpoint/2010/main" val="3426854808"/>
+        <p14:creationId xmlns:p14="http://schemas.microsoft.com/office/powerpoint/2010/main" val="1856710250"/>
       </p:ext>
     </p:extLst>
   </p:cSld>
@@ -755,7 +755,7 @@
           <p:cNvPr id="2" name="Title 1">
             <a:extLst>
               <a:ext uri="{FF2B5EF4-FFF2-40B4-BE49-F238E27FC236}">
-                <a16:creationId xmlns:a16="http://schemas.microsoft.com/office/drawing/2014/main" id="{52F2A295-9CD4-1BF6-2E96-2B47BA3774AE}"/>
+                <a16:creationId xmlns:a16="http://schemas.microsoft.com/office/drawing/2014/main" id="{41D79A1E-462C-5FCA-9558-5D776A470A00}"/>
               </a:ext>
             </a:extLst>
           </p:cNvPr>
@@ -783,7 +783,7 @@
           <p:cNvPr id="3" name="Content Placeholder 2">
             <a:extLst>
               <a:ext uri="{FF2B5EF4-FFF2-40B4-BE49-F238E27FC236}">
-                <a16:creationId xmlns:a16="http://schemas.microsoft.com/office/drawing/2014/main" id="{E723E44D-1710-4B33-D9E8-E62B03F3FFCD}"/>
+                <a16:creationId xmlns:a16="http://schemas.microsoft.com/office/drawing/2014/main" id="{D3416A26-8462-1F09-DC7D-11A708A28EA6}"/>
               </a:ext>
             </a:extLst>
           </p:cNvPr>
@@ -840,7 +840,7 @@
           <p:cNvPr id="4" name="Date Placeholder 3">
             <a:extLst>
               <a:ext uri="{FF2B5EF4-FFF2-40B4-BE49-F238E27FC236}">
-                <a16:creationId xmlns:a16="http://schemas.microsoft.com/office/drawing/2014/main" id="{B2061C87-B498-355B-3AC0-5AEED1D8326E}"/>
+                <a16:creationId xmlns:a16="http://schemas.microsoft.com/office/drawing/2014/main" id="{C08D3EB4-CA37-D5E3-FED8-D57F46C77692}"/>
               </a:ext>
             </a:extLst>
           </p:cNvPr>
@@ -856,7 +856,7 @@
           <a:bodyPr/>
           <a:lstStyle/>
           <a:p>
-            <a:fld id="{B2C49661-64CC-4D0A-9021-BF129A847C21}" type="datetimeFigureOut">
+            <a:fld id="{14B025BC-CC6C-43BD-9371-5F9D36C840BD}" type="datetimeFigureOut">
               <a:rPr lang="en-US" smtClean="0"/>
               <a:t>8/24/2024</a:t>
             </a:fld>
@@ -869,7 +869,7 @@
           <p:cNvPr id="5" name="Footer Placeholder 4">
             <a:extLst>
               <a:ext uri="{FF2B5EF4-FFF2-40B4-BE49-F238E27FC236}">
-                <a16:creationId xmlns:a16="http://schemas.microsoft.com/office/drawing/2014/main" id="{410B6A5D-AD68-2829-83AF-AB224674E2CD}"/>
+                <a16:creationId xmlns:a16="http://schemas.microsoft.com/office/drawing/2014/main" id="{595180B6-69E7-8252-E0A0-99EA966D572C}"/>
               </a:ext>
             </a:extLst>
           </p:cNvPr>
@@ -894,7 +894,7 @@
           <p:cNvPr id="6" name="Slide Number Placeholder 5">
             <a:extLst>
               <a:ext uri="{FF2B5EF4-FFF2-40B4-BE49-F238E27FC236}">
-                <a16:creationId xmlns:a16="http://schemas.microsoft.com/office/drawing/2014/main" id="{DA3EBCBD-381E-8DE9-DC57-115F5B1287E0}"/>
+                <a16:creationId xmlns:a16="http://schemas.microsoft.com/office/drawing/2014/main" id="{2170A67A-1924-9980-8C3D-9482096E3B66}"/>
               </a:ext>
             </a:extLst>
           </p:cNvPr>
@@ -910,7 +910,7 @@
           <a:bodyPr/>
           <a:lstStyle/>
           <a:p>
-            <a:fld id="{2C9E350F-E808-49C6-A280-5AF6D96D355B}" type="slidenum">
+            <a:fld id="{7B5BB846-8F45-4504-BDC0-0F7BC707794B}" type="slidenum">
               <a:rPr lang="en-US" smtClean="0"/>
               <a:t>‹#›</a:t>
             </a:fld>
@@ -921,7 +921,7 @@
     </p:spTree>
     <p:extLst>
       <p:ext uri="{BB962C8B-B14F-4D97-AF65-F5344CB8AC3E}">
-        <p14:creationId xmlns:p14="http://schemas.microsoft.com/office/powerpoint/2010/main" val="1980635673"/>
+        <p14:creationId xmlns:p14="http://schemas.microsoft.com/office/powerpoint/2010/main" val="3684178948"/>
       </p:ext>
     </p:extLst>
   </p:cSld>
@@ -953,7 +953,7 @@
           <p:cNvPr id="2" name="Title 1">
             <a:extLst>
               <a:ext uri="{FF2B5EF4-FFF2-40B4-BE49-F238E27FC236}">
-                <a16:creationId xmlns:a16="http://schemas.microsoft.com/office/drawing/2014/main" id="{7C9DAA98-BAF2-D5A9-B651-3CAFFA2250D4}"/>
+                <a16:creationId xmlns:a16="http://schemas.microsoft.com/office/drawing/2014/main" id="{5DFD7770-E0A1-C11F-1A5E-B6510DD266F2}"/>
               </a:ext>
             </a:extLst>
           </p:cNvPr>
@@ -990,7 +990,7 @@
           <p:cNvPr id="3" name="Text Placeholder 2">
             <a:extLst>
               <a:ext uri="{FF2B5EF4-FFF2-40B4-BE49-F238E27FC236}">
-                <a16:creationId xmlns:a16="http://schemas.microsoft.com/office/drawing/2014/main" id="{38ED7749-8708-0B8C-45AF-469FDADB2E2E}"/>
+                <a16:creationId xmlns:a16="http://schemas.microsoft.com/office/drawing/2014/main" id="{6E9790AD-C4F6-06AB-CA85-AD45064547B8}"/>
               </a:ext>
             </a:extLst>
           </p:cNvPr>
@@ -1115,7 +1115,7 @@
           <p:cNvPr id="4" name="Date Placeholder 3">
             <a:extLst>
               <a:ext uri="{FF2B5EF4-FFF2-40B4-BE49-F238E27FC236}">
-                <a16:creationId xmlns:a16="http://schemas.microsoft.com/office/drawing/2014/main" id="{7B3EF46A-A92E-3472-5907-E36C55C5A353}"/>
+                <a16:creationId xmlns:a16="http://schemas.microsoft.com/office/drawing/2014/main" id="{D2ED0636-3901-5436-72E2-F3BBB7FA3C4A}"/>
               </a:ext>
             </a:extLst>
           </p:cNvPr>
@@ -1131,7 +1131,7 @@
           <a:bodyPr/>
           <a:lstStyle/>
           <a:p>
-            <a:fld id="{B2C49661-64CC-4D0A-9021-BF129A847C21}" type="datetimeFigureOut">
+            <a:fld id="{14B025BC-CC6C-43BD-9371-5F9D36C840BD}" type="datetimeFigureOut">
               <a:rPr lang="en-US" smtClean="0"/>
               <a:t>8/24/2024</a:t>
             </a:fld>
@@ -1144,7 +1144,7 @@
           <p:cNvPr id="5" name="Footer Placeholder 4">
             <a:extLst>
               <a:ext uri="{FF2B5EF4-FFF2-40B4-BE49-F238E27FC236}">
-                <a16:creationId xmlns:a16="http://schemas.microsoft.com/office/drawing/2014/main" id="{CF76588D-0DC5-899A-6CD9-B977B97F9052}"/>
+                <a16:creationId xmlns:a16="http://schemas.microsoft.com/office/drawing/2014/main" id="{D7CB80DB-5CA9-41A3-EDEB-4956B69D0CEE}"/>
               </a:ext>
             </a:extLst>
           </p:cNvPr>
@@ -1169,7 +1169,7 @@
           <p:cNvPr id="6" name="Slide Number Placeholder 5">
             <a:extLst>
               <a:ext uri="{FF2B5EF4-FFF2-40B4-BE49-F238E27FC236}">
-                <a16:creationId xmlns:a16="http://schemas.microsoft.com/office/drawing/2014/main" id="{433B6A41-2A6E-61C0-F533-2EF5C44627FB}"/>
+                <a16:creationId xmlns:a16="http://schemas.microsoft.com/office/drawing/2014/main" id="{A8462BF7-4426-9CCC-075A-81DC758DC8FB}"/>
               </a:ext>
             </a:extLst>
           </p:cNvPr>
@@ -1185,7 +1185,7 @@
           <a:bodyPr/>
           <a:lstStyle/>
           <a:p>
-            <a:fld id="{2C9E350F-E808-49C6-A280-5AF6D96D355B}" type="slidenum">
+            <a:fld id="{7B5BB846-8F45-4504-BDC0-0F7BC707794B}" type="slidenum">
               <a:rPr lang="en-US" smtClean="0"/>
               <a:t>‹#›</a:t>
             </a:fld>
@@ -1196,7 +1196,7 @@
     </p:spTree>
     <p:extLst>
       <p:ext uri="{BB962C8B-B14F-4D97-AF65-F5344CB8AC3E}">
-        <p14:creationId xmlns:p14="http://schemas.microsoft.com/office/powerpoint/2010/main" val="1639765588"/>
+        <p14:creationId xmlns:p14="http://schemas.microsoft.com/office/powerpoint/2010/main" val="1595502391"/>
       </p:ext>
     </p:extLst>
   </p:cSld>
@@ -1228,7 +1228,7 @@
           <p:cNvPr id="2" name="Title 1">
             <a:extLst>
               <a:ext uri="{FF2B5EF4-FFF2-40B4-BE49-F238E27FC236}">
-                <a16:creationId xmlns:a16="http://schemas.microsoft.com/office/drawing/2014/main" id="{15AAA17E-662D-C3A5-323E-4BCBDD671133}"/>
+                <a16:creationId xmlns:a16="http://schemas.microsoft.com/office/drawing/2014/main" id="{4A748F90-C3B9-7300-F128-19C8463C492C}"/>
               </a:ext>
             </a:extLst>
           </p:cNvPr>
@@ -1256,7 +1256,7 @@
           <p:cNvPr id="3" name="Content Placeholder 2">
             <a:extLst>
               <a:ext uri="{FF2B5EF4-FFF2-40B4-BE49-F238E27FC236}">
-                <a16:creationId xmlns:a16="http://schemas.microsoft.com/office/drawing/2014/main" id="{48185B0C-26EE-3E59-6FBE-854860869FE4}"/>
+                <a16:creationId xmlns:a16="http://schemas.microsoft.com/office/drawing/2014/main" id="{9AF15675-2024-5B86-B102-6E323158D483}"/>
               </a:ext>
             </a:extLst>
           </p:cNvPr>
@@ -1318,7 +1318,7 @@
           <p:cNvPr id="4" name="Content Placeholder 3">
             <a:extLst>
               <a:ext uri="{FF2B5EF4-FFF2-40B4-BE49-F238E27FC236}">
-                <a16:creationId xmlns:a16="http://schemas.microsoft.com/office/drawing/2014/main" id="{F01D6E6A-7B8E-872F-F0A2-DCF074DBA4A9}"/>
+                <a16:creationId xmlns:a16="http://schemas.microsoft.com/office/drawing/2014/main" id="{FA40DF20-FF38-AB8B-9349-CC4EAA9EA0FE}"/>
               </a:ext>
             </a:extLst>
           </p:cNvPr>
@@ -1380,7 +1380,7 @@
           <p:cNvPr id="5" name="Date Placeholder 4">
             <a:extLst>
               <a:ext uri="{FF2B5EF4-FFF2-40B4-BE49-F238E27FC236}">
-                <a16:creationId xmlns:a16="http://schemas.microsoft.com/office/drawing/2014/main" id="{35B3CACD-542F-BF6C-4B70-E6EE744162A4}"/>
+                <a16:creationId xmlns:a16="http://schemas.microsoft.com/office/drawing/2014/main" id="{A69FBD5E-A43A-D276-234C-51529F78BFB9}"/>
               </a:ext>
             </a:extLst>
           </p:cNvPr>
@@ -1396,7 +1396,7 @@
           <a:bodyPr/>
           <a:lstStyle/>
           <a:p>
-            <a:fld id="{B2C49661-64CC-4D0A-9021-BF129A847C21}" type="datetimeFigureOut">
+            <a:fld id="{14B025BC-CC6C-43BD-9371-5F9D36C840BD}" type="datetimeFigureOut">
               <a:rPr lang="en-US" smtClean="0"/>
               <a:t>8/24/2024</a:t>
             </a:fld>
@@ -1409,7 +1409,7 @@
           <p:cNvPr id="6" name="Footer Placeholder 5">
             <a:extLst>
               <a:ext uri="{FF2B5EF4-FFF2-40B4-BE49-F238E27FC236}">
-                <a16:creationId xmlns:a16="http://schemas.microsoft.com/office/drawing/2014/main" id="{C6BAA036-E427-8D07-ED56-6CC8B23D972F}"/>
+                <a16:creationId xmlns:a16="http://schemas.microsoft.com/office/drawing/2014/main" id="{DB8B4DB0-8353-0808-25EE-75D2A467C781}"/>
               </a:ext>
             </a:extLst>
           </p:cNvPr>
@@ -1434,7 +1434,7 @@
           <p:cNvPr id="7" name="Slide Number Placeholder 6">
             <a:extLst>
               <a:ext uri="{FF2B5EF4-FFF2-40B4-BE49-F238E27FC236}">
-                <a16:creationId xmlns:a16="http://schemas.microsoft.com/office/drawing/2014/main" id="{C6E6AEC8-6928-DB47-F696-DC1996C42009}"/>
+                <a16:creationId xmlns:a16="http://schemas.microsoft.com/office/drawing/2014/main" id="{6190FECC-E51E-6508-E285-AB039ABE4F95}"/>
               </a:ext>
             </a:extLst>
           </p:cNvPr>
@@ -1450,7 +1450,7 @@
           <a:bodyPr/>
           <a:lstStyle/>
           <a:p>
-            <a:fld id="{2C9E350F-E808-49C6-A280-5AF6D96D355B}" type="slidenum">
+            <a:fld id="{7B5BB846-8F45-4504-BDC0-0F7BC707794B}" type="slidenum">
               <a:rPr lang="en-US" smtClean="0"/>
               <a:t>‹#›</a:t>
             </a:fld>
@@ -1461,7 +1461,7 @@
     </p:spTree>
     <p:extLst>
       <p:ext uri="{BB962C8B-B14F-4D97-AF65-F5344CB8AC3E}">
-        <p14:creationId xmlns:p14="http://schemas.microsoft.com/office/powerpoint/2010/main" val="2140176904"/>
+        <p14:creationId xmlns:p14="http://schemas.microsoft.com/office/powerpoint/2010/main" val="2704932755"/>
       </p:ext>
     </p:extLst>
   </p:cSld>
@@ -1493,7 +1493,7 @@
           <p:cNvPr id="2" name="Title 1">
             <a:extLst>
               <a:ext uri="{FF2B5EF4-FFF2-40B4-BE49-F238E27FC236}">
-                <a16:creationId xmlns:a16="http://schemas.microsoft.com/office/drawing/2014/main" id="{55A109D6-C1A6-5943-33E2-81BA8FC87232}"/>
+                <a16:creationId xmlns:a16="http://schemas.microsoft.com/office/drawing/2014/main" id="{B9132D19-A6B6-F2E6-7622-469762936547}"/>
               </a:ext>
             </a:extLst>
           </p:cNvPr>
@@ -1526,7 +1526,7 @@
           <p:cNvPr id="3" name="Text Placeholder 2">
             <a:extLst>
               <a:ext uri="{FF2B5EF4-FFF2-40B4-BE49-F238E27FC236}">
-                <a16:creationId xmlns:a16="http://schemas.microsoft.com/office/drawing/2014/main" id="{CB28B2D7-1791-DAA7-8C02-C2AEAA9B6D16}"/>
+                <a16:creationId xmlns:a16="http://schemas.microsoft.com/office/drawing/2014/main" id="{ECA9CAAF-3206-685A-C5A6-6955806E4A3B}"/>
               </a:ext>
             </a:extLst>
           </p:cNvPr>
@@ -1597,7 +1597,7 @@
           <p:cNvPr id="4" name="Content Placeholder 3">
             <a:extLst>
               <a:ext uri="{FF2B5EF4-FFF2-40B4-BE49-F238E27FC236}">
-                <a16:creationId xmlns:a16="http://schemas.microsoft.com/office/drawing/2014/main" id="{869B8624-E420-F879-2DD4-4D226E147B76}"/>
+                <a16:creationId xmlns:a16="http://schemas.microsoft.com/office/drawing/2014/main" id="{38F4E7BE-8957-A219-CAC6-33277D4A98AE}"/>
               </a:ext>
             </a:extLst>
           </p:cNvPr>
@@ -1659,7 +1659,7 @@
           <p:cNvPr id="5" name="Text Placeholder 4">
             <a:extLst>
               <a:ext uri="{FF2B5EF4-FFF2-40B4-BE49-F238E27FC236}">
-                <a16:creationId xmlns:a16="http://schemas.microsoft.com/office/drawing/2014/main" id="{0B287793-2BD1-81AE-D276-F1085F86C65C}"/>
+                <a16:creationId xmlns:a16="http://schemas.microsoft.com/office/drawing/2014/main" id="{F0A7D875-62E0-725B-B24A-3A6E14D2BE1B}"/>
               </a:ext>
             </a:extLst>
           </p:cNvPr>
@@ -1730,7 +1730,7 @@
           <p:cNvPr id="6" name="Content Placeholder 5">
             <a:extLst>
               <a:ext uri="{FF2B5EF4-FFF2-40B4-BE49-F238E27FC236}">
-                <a16:creationId xmlns:a16="http://schemas.microsoft.com/office/drawing/2014/main" id="{9FB434C3-D6BE-BA13-9195-4D6422948680}"/>
+                <a16:creationId xmlns:a16="http://schemas.microsoft.com/office/drawing/2014/main" id="{6D537028-A5D4-62B1-BCA3-FC213533BE0E}"/>
               </a:ext>
             </a:extLst>
           </p:cNvPr>
@@ -1792,7 +1792,7 @@
           <p:cNvPr id="7" name="Date Placeholder 6">
             <a:extLst>
               <a:ext uri="{FF2B5EF4-FFF2-40B4-BE49-F238E27FC236}">
-                <a16:creationId xmlns:a16="http://schemas.microsoft.com/office/drawing/2014/main" id="{08A76985-1453-B30F-DA72-023AD1FA5349}"/>
+                <a16:creationId xmlns:a16="http://schemas.microsoft.com/office/drawing/2014/main" id="{37E5F287-EB04-AE6B-0B5B-F4075DAEF9CD}"/>
               </a:ext>
             </a:extLst>
           </p:cNvPr>
@@ -1808,7 +1808,7 @@
           <a:bodyPr/>
           <a:lstStyle/>
           <a:p>
-            <a:fld id="{B2C49661-64CC-4D0A-9021-BF129A847C21}" type="datetimeFigureOut">
+            <a:fld id="{14B025BC-CC6C-43BD-9371-5F9D36C840BD}" type="datetimeFigureOut">
               <a:rPr lang="en-US" smtClean="0"/>
               <a:t>8/24/2024</a:t>
             </a:fld>
@@ -1821,7 +1821,7 @@
           <p:cNvPr id="8" name="Footer Placeholder 7">
             <a:extLst>
               <a:ext uri="{FF2B5EF4-FFF2-40B4-BE49-F238E27FC236}">
-                <a16:creationId xmlns:a16="http://schemas.microsoft.com/office/drawing/2014/main" id="{80B2D0BD-AF75-9A8E-CA54-741178C1066C}"/>
+                <a16:creationId xmlns:a16="http://schemas.microsoft.com/office/drawing/2014/main" id="{60579895-CDDE-E469-BDD9-97E5AD8DE774}"/>
               </a:ext>
             </a:extLst>
           </p:cNvPr>
@@ -1846,7 +1846,7 @@
           <p:cNvPr id="9" name="Slide Number Placeholder 8">
             <a:extLst>
               <a:ext uri="{FF2B5EF4-FFF2-40B4-BE49-F238E27FC236}">
-                <a16:creationId xmlns:a16="http://schemas.microsoft.com/office/drawing/2014/main" id="{297A2244-80A2-A6C1-ACCB-E667AC227CBA}"/>
+                <a16:creationId xmlns:a16="http://schemas.microsoft.com/office/drawing/2014/main" id="{3A8396C1-F298-F4CD-00FB-36A34EAD90C2}"/>
               </a:ext>
             </a:extLst>
           </p:cNvPr>
@@ -1862,7 +1862,7 @@
           <a:bodyPr/>
           <a:lstStyle/>
           <a:p>
-            <a:fld id="{2C9E350F-E808-49C6-A280-5AF6D96D355B}" type="slidenum">
+            <a:fld id="{7B5BB846-8F45-4504-BDC0-0F7BC707794B}" type="slidenum">
               <a:rPr lang="en-US" smtClean="0"/>
               <a:t>‹#›</a:t>
             </a:fld>
@@ -1873,7 +1873,7 @@
     </p:spTree>
     <p:extLst>
       <p:ext uri="{BB962C8B-B14F-4D97-AF65-F5344CB8AC3E}">
-        <p14:creationId xmlns:p14="http://schemas.microsoft.com/office/powerpoint/2010/main" val="199438608"/>
+        <p14:creationId xmlns:p14="http://schemas.microsoft.com/office/powerpoint/2010/main" val="3729483678"/>
       </p:ext>
     </p:extLst>
   </p:cSld>
@@ -1905,7 +1905,7 @@
           <p:cNvPr id="2" name="Title 1">
             <a:extLst>
               <a:ext uri="{FF2B5EF4-FFF2-40B4-BE49-F238E27FC236}">
-                <a16:creationId xmlns:a16="http://schemas.microsoft.com/office/drawing/2014/main" id="{5944B612-EDE2-AFD7-7991-32FC8B45AC8F}"/>
+                <a16:creationId xmlns:a16="http://schemas.microsoft.com/office/drawing/2014/main" id="{572D5792-57AC-D546-7FF8-0A062B839BD8}"/>
               </a:ext>
             </a:extLst>
           </p:cNvPr>
@@ -1933,7 +1933,7 @@
           <p:cNvPr id="3" name="Date Placeholder 2">
             <a:extLst>
               <a:ext uri="{FF2B5EF4-FFF2-40B4-BE49-F238E27FC236}">
-                <a16:creationId xmlns:a16="http://schemas.microsoft.com/office/drawing/2014/main" id="{4CBC0831-6299-5BB4-A798-0278193776D0}"/>
+                <a16:creationId xmlns:a16="http://schemas.microsoft.com/office/drawing/2014/main" id="{BD4FC105-D60C-34D8-68DD-F09DD83A600A}"/>
               </a:ext>
             </a:extLst>
           </p:cNvPr>
@@ -1949,7 +1949,7 @@
           <a:bodyPr/>
           <a:lstStyle/>
           <a:p>
-            <a:fld id="{B2C49661-64CC-4D0A-9021-BF129A847C21}" type="datetimeFigureOut">
+            <a:fld id="{14B025BC-CC6C-43BD-9371-5F9D36C840BD}" type="datetimeFigureOut">
               <a:rPr lang="en-US" smtClean="0"/>
               <a:t>8/24/2024</a:t>
             </a:fld>
@@ -1962,7 +1962,7 @@
           <p:cNvPr id="4" name="Footer Placeholder 3">
             <a:extLst>
               <a:ext uri="{FF2B5EF4-FFF2-40B4-BE49-F238E27FC236}">
-                <a16:creationId xmlns:a16="http://schemas.microsoft.com/office/drawing/2014/main" id="{BA08BA26-2FA1-1661-32F2-5AF695E8C471}"/>
+                <a16:creationId xmlns:a16="http://schemas.microsoft.com/office/drawing/2014/main" id="{11FD285D-BF83-5F4A-5480-153F247DDE8E}"/>
               </a:ext>
             </a:extLst>
           </p:cNvPr>
@@ -1987,7 +1987,7 @@
           <p:cNvPr id="5" name="Slide Number Placeholder 4">
             <a:extLst>
               <a:ext uri="{FF2B5EF4-FFF2-40B4-BE49-F238E27FC236}">
-                <a16:creationId xmlns:a16="http://schemas.microsoft.com/office/drawing/2014/main" id="{AE339D14-00D7-C0C6-1A4A-F84A57B7A99B}"/>
+                <a16:creationId xmlns:a16="http://schemas.microsoft.com/office/drawing/2014/main" id="{C875724C-F1E1-CCD0-690A-057286FAC452}"/>
               </a:ext>
             </a:extLst>
           </p:cNvPr>
@@ -2003,7 +2003,7 @@
           <a:bodyPr/>
           <a:lstStyle/>
           <a:p>
-            <a:fld id="{2C9E350F-E808-49C6-A280-5AF6D96D355B}" type="slidenum">
+            <a:fld id="{7B5BB846-8F45-4504-BDC0-0F7BC707794B}" type="slidenum">
               <a:rPr lang="en-US" smtClean="0"/>
               <a:t>‹#›</a:t>
             </a:fld>
@@ -2014,7 +2014,7 @@
     </p:spTree>
     <p:extLst>
       <p:ext uri="{BB962C8B-B14F-4D97-AF65-F5344CB8AC3E}">
-        <p14:creationId xmlns:p14="http://schemas.microsoft.com/office/powerpoint/2010/main" val="3728142483"/>
+        <p14:creationId xmlns:p14="http://schemas.microsoft.com/office/powerpoint/2010/main" val="2339132571"/>
       </p:ext>
     </p:extLst>
   </p:cSld>
@@ -2046,7 +2046,7 @@
           <p:cNvPr id="2" name="Date Placeholder 1">
             <a:extLst>
               <a:ext uri="{FF2B5EF4-FFF2-40B4-BE49-F238E27FC236}">
-                <a16:creationId xmlns:a16="http://schemas.microsoft.com/office/drawing/2014/main" id="{BDF3DCC7-F0CF-F1C8-5CD1-9969AC18768A}"/>
+                <a16:creationId xmlns:a16="http://schemas.microsoft.com/office/drawing/2014/main" id="{605C20CE-431F-3F8C-AB0A-9A4F17CDF49E}"/>
               </a:ext>
             </a:extLst>
           </p:cNvPr>
@@ -2062,7 +2062,7 @@
           <a:bodyPr/>
           <a:lstStyle/>
           <a:p>
-            <a:fld id="{B2C49661-64CC-4D0A-9021-BF129A847C21}" type="datetimeFigureOut">
+            <a:fld id="{14B025BC-CC6C-43BD-9371-5F9D36C840BD}" type="datetimeFigureOut">
               <a:rPr lang="en-US" smtClean="0"/>
               <a:t>8/24/2024</a:t>
             </a:fld>
@@ -2075,7 +2075,7 @@
           <p:cNvPr id="3" name="Footer Placeholder 2">
             <a:extLst>
               <a:ext uri="{FF2B5EF4-FFF2-40B4-BE49-F238E27FC236}">
-                <a16:creationId xmlns:a16="http://schemas.microsoft.com/office/drawing/2014/main" id="{DA771FEA-365C-2C31-D0D9-6F5AD4A7D989}"/>
+                <a16:creationId xmlns:a16="http://schemas.microsoft.com/office/drawing/2014/main" id="{82C7B6BC-B1BB-EB6D-10AB-748FD1C7CCBC}"/>
               </a:ext>
             </a:extLst>
           </p:cNvPr>
@@ -2100,7 +2100,7 @@
           <p:cNvPr id="4" name="Slide Number Placeholder 3">
             <a:extLst>
               <a:ext uri="{FF2B5EF4-FFF2-40B4-BE49-F238E27FC236}">
-                <a16:creationId xmlns:a16="http://schemas.microsoft.com/office/drawing/2014/main" id="{2028A972-8283-DC41-7E12-C4334935AAE1}"/>
+                <a16:creationId xmlns:a16="http://schemas.microsoft.com/office/drawing/2014/main" id="{2E10AD40-DF38-3A3C-3C66-E5D842505F95}"/>
               </a:ext>
             </a:extLst>
           </p:cNvPr>
@@ -2116,7 +2116,7 @@
           <a:bodyPr/>
           <a:lstStyle/>
           <a:p>
-            <a:fld id="{2C9E350F-E808-49C6-A280-5AF6D96D355B}" type="slidenum">
+            <a:fld id="{7B5BB846-8F45-4504-BDC0-0F7BC707794B}" type="slidenum">
               <a:rPr lang="en-US" smtClean="0"/>
               <a:t>‹#›</a:t>
             </a:fld>
@@ -2127,7 +2127,7 @@
     </p:spTree>
     <p:extLst>
       <p:ext uri="{BB962C8B-B14F-4D97-AF65-F5344CB8AC3E}">
-        <p14:creationId xmlns:p14="http://schemas.microsoft.com/office/powerpoint/2010/main" val="1865977631"/>
+        <p14:creationId xmlns:p14="http://schemas.microsoft.com/office/powerpoint/2010/main" val="1518923466"/>
       </p:ext>
     </p:extLst>
   </p:cSld>
@@ -2159,7 +2159,7 @@
           <p:cNvPr id="2" name="Title 1">
             <a:extLst>
               <a:ext uri="{FF2B5EF4-FFF2-40B4-BE49-F238E27FC236}">
-                <a16:creationId xmlns:a16="http://schemas.microsoft.com/office/drawing/2014/main" id="{D513A1A7-490B-3ACC-65FF-329C07AEA7C5}"/>
+                <a16:creationId xmlns:a16="http://schemas.microsoft.com/office/drawing/2014/main" id="{183F06A3-63EB-8D5C-8566-A87E74842AC5}"/>
               </a:ext>
             </a:extLst>
           </p:cNvPr>
@@ -2196,7 +2196,7 @@
           <p:cNvPr id="3" name="Content Placeholder 2">
             <a:extLst>
               <a:ext uri="{FF2B5EF4-FFF2-40B4-BE49-F238E27FC236}">
-                <a16:creationId xmlns:a16="http://schemas.microsoft.com/office/drawing/2014/main" id="{A1633D02-284B-CA26-0682-0307E6DD311B}"/>
+                <a16:creationId xmlns:a16="http://schemas.microsoft.com/office/drawing/2014/main" id="{F6E228C8-5112-A562-08A8-110599E44A11}"/>
               </a:ext>
             </a:extLst>
           </p:cNvPr>
@@ -2286,7 +2286,7 @@
           <p:cNvPr id="4" name="Text Placeholder 3">
             <a:extLst>
               <a:ext uri="{FF2B5EF4-FFF2-40B4-BE49-F238E27FC236}">
-                <a16:creationId xmlns:a16="http://schemas.microsoft.com/office/drawing/2014/main" id="{4FE8B1BD-389C-2BB5-937F-A46CD8CBB8A4}"/>
+                <a16:creationId xmlns:a16="http://schemas.microsoft.com/office/drawing/2014/main" id="{FB2CE3F6-3D8E-AB06-1AB4-E5DF5C4C8F08}"/>
               </a:ext>
             </a:extLst>
           </p:cNvPr>
@@ -2357,7 +2357,7 @@
           <p:cNvPr id="5" name="Date Placeholder 4">
             <a:extLst>
               <a:ext uri="{FF2B5EF4-FFF2-40B4-BE49-F238E27FC236}">
-                <a16:creationId xmlns:a16="http://schemas.microsoft.com/office/drawing/2014/main" id="{D0329934-F1EF-D362-AB16-6A46E2338F9A}"/>
+                <a16:creationId xmlns:a16="http://schemas.microsoft.com/office/drawing/2014/main" id="{F9521910-204D-FF8E-5A9E-DC65CA8437FE}"/>
               </a:ext>
             </a:extLst>
           </p:cNvPr>
@@ -2373,7 +2373,7 @@
           <a:bodyPr/>
           <a:lstStyle/>
           <a:p>
-            <a:fld id="{B2C49661-64CC-4D0A-9021-BF129A847C21}" type="datetimeFigureOut">
+            <a:fld id="{14B025BC-CC6C-43BD-9371-5F9D36C840BD}" type="datetimeFigureOut">
               <a:rPr lang="en-US" smtClean="0"/>
               <a:t>8/24/2024</a:t>
             </a:fld>
@@ -2386,7 +2386,7 @@
           <p:cNvPr id="6" name="Footer Placeholder 5">
             <a:extLst>
               <a:ext uri="{FF2B5EF4-FFF2-40B4-BE49-F238E27FC236}">
-                <a16:creationId xmlns:a16="http://schemas.microsoft.com/office/drawing/2014/main" id="{0146A4B5-1A68-4B01-BBEB-E87EBCB8903A}"/>
+                <a16:creationId xmlns:a16="http://schemas.microsoft.com/office/drawing/2014/main" id="{AC8B2AB1-4F65-4223-2772-11D50D5FA9A5}"/>
               </a:ext>
             </a:extLst>
           </p:cNvPr>
@@ -2411,7 +2411,7 @@
           <p:cNvPr id="7" name="Slide Number Placeholder 6">
             <a:extLst>
               <a:ext uri="{FF2B5EF4-FFF2-40B4-BE49-F238E27FC236}">
-                <a16:creationId xmlns:a16="http://schemas.microsoft.com/office/drawing/2014/main" id="{BC0E3750-D93A-F0BB-58CB-B8D2699967D7}"/>
+                <a16:creationId xmlns:a16="http://schemas.microsoft.com/office/drawing/2014/main" id="{765A37B5-E01F-8866-C31C-3278D5D57C98}"/>
               </a:ext>
             </a:extLst>
           </p:cNvPr>
@@ -2427,7 +2427,7 @@
           <a:bodyPr/>
           <a:lstStyle/>
           <a:p>
-            <a:fld id="{2C9E350F-E808-49C6-A280-5AF6D96D355B}" type="slidenum">
+            <a:fld id="{7B5BB846-8F45-4504-BDC0-0F7BC707794B}" type="slidenum">
               <a:rPr lang="en-US" smtClean="0"/>
               <a:t>‹#›</a:t>
             </a:fld>
@@ -2438,7 +2438,7 @@
     </p:spTree>
     <p:extLst>
       <p:ext uri="{BB962C8B-B14F-4D97-AF65-F5344CB8AC3E}">
-        <p14:creationId xmlns:p14="http://schemas.microsoft.com/office/powerpoint/2010/main" val="3635599132"/>
+        <p14:creationId xmlns:p14="http://schemas.microsoft.com/office/powerpoint/2010/main" val="2580061190"/>
       </p:ext>
     </p:extLst>
   </p:cSld>
@@ -2470,7 +2470,7 @@
           <p:cNvPr id="2" name="Title 1">
             <a:extLst>
               <a:ext uri="{FF2B5EF4-FFF2-40B4-BE49-F238E27FC236}">
-                <a16:creationId xmlns:a16="http://schemas.microsoft.com/office/drawing/2014/main" id="{451E3F2F-FB32-94F5-1934-A7347809F4D9}"/>
+                <a16:creationId xmlns:a16="http://schemas.microsoft.com/office/drawing/2014/main" id="{5FAA926D-E3F0-1FD2-7064-35452BAFF260}"/>
               </a:ext>
             </a:extLst>
           </p:cNvPr>
@@ -2507,7 +2507,7 @@
           <p:cNvPr id="3" name="Picture Placeholder 2">
             <a:extLst>
               <a:ext uri="{FF2B5EF4-FFF2-40B4-BE49-F238E27FC236}">
-                <a16:creationId xmlns:a16="http://schemas.microsoft.com/office/drawing/2014/main" id="{A95E7B44-EB3C-7BDB-3376-0DE461E1DDAB}"/>
+                <a16:creationId xmlns:a16="http://schemas.microsoft.com/office/drawing/2014/main" id="{3B7FFABF-BE53-5BE3-0CD0-B41A38E74771}"/>
               </a:ext>
             </a:extLst>
           </p:cNvPr>
@@ -2574,7 +2574,7 @@
           <p:cNvPr id="4" name="Text Placeholder 3">
             <a:extLst>
               <a:ext uri="{FF2B5EF4-FFF2-40B4-BE49-F238E27FC236}">
-                <a16:creationId xmlns:a16="http://schemas.microsoft.com/office/drawing/2014/main" id="{51F2126B-9D9B-9363-284F-614011F9BC90}"/>
+                <a16:creationId xmlns:a16="http://schemas.microsoft.com/office/drawing/2014/main" id="{EE0CE765-5890-A65A-143D-046EAA1DE993}"/>
               </a:ext>
             </a:extLst>
           </p:cNvPr>
@@ -2645,7 +2645,7 @@
           <p:cNvPr id="5" name="Date Placeholder 4">
             <a:extLst>
               <a:ext uri="{FF2B5EF4-FFF2-40B4-BE49-F238E27FC236}">
-                <a16:creationId xmlns:a16="http://schemas.microsoft.com/office/drawing/2014/main" id="{E5D0EF9A-E468-5258-585E-495F1A3374A7}"/>
+                <a16:creationId xmlns:a16="http://schemas.microsoft.com/office/drawing/2014/main" id="{DA3FC531-30DF-8F7F-AD01-AA62C90B2030}"/>
               </a:ext>
             </a:extLst>
           </p:cNvPr>
@@ -2661,7 +2661,7 @@
           <a:bodyPr/>
           <a:lstStyle/>
           <a:p>
-            <a:fld id="{B2C49661-64CC-4D0A-9021-BF129A847C21}" type="datetimeFigureOut">
+            <a:fld id="{14B025BC-CC6C-43BD-9371-5F9D36C840BD}" type="datetimeFigureOut">
               <a:rPr lang="en-US" smtClean="0"/>
               <a:t>8/24/2024</a:t>
             </a:fld>
@@ -2674,7 +2674,7 @@
           <p:cNvPr id="6" name="Footer Placeholder 5">
             <a:extLst>
               <a:ext uri="{FF2B5EF4-FFF2-40B4-BE49-F238E27FC236}">
-                <a16:creationId xmlns:a16="http://schemas.microsoft.com/office/drawing/2014/main" id="{EB23D99E-DE61-EE76-E0CA-C6A3D669287E}"/>
+                <a16:creationId xmlns:a16="http://schemas.microsoft.com/office/drawing/2014/main" id="{E9372618-A45D-EF83-7002-4173B52371AB}"/>
               </a:ext>
             </a:extLst>
           </p:cNvPr>
@@ -2699,7 +2699,7 @@
           <p:cNvPr id="7" name="Slide Number Placeholder 6">
             <a:extLst>
               <a:ext uri="{FF2B5EF4-FFF2-40B4-BE49-F238E27FC236}">
-                <a16:creationId xmlns:a16="http://schemas.microsoft.com/office/drawing/2014/main" id="{42EC9DAA-6480-EC51-A379-2C15FB1EF424}"/>
+                <a16:creationId xmlns:a16="http://schemas.microsoft.com/office/drawing/2014/main" id="{F5F8AA1B-052A-1CED-0A97-9F97410EE74E}"/>
               </a:ext>
             </a:extLst>
           </p:cNvPr>
@@ -2715,7 +2715,7 @@
           <a:bodyPr/>
           <a:lstStyle/>
           <a:p>
-            <a:fld id="{2C9E350F-E808-49C6-A280-5AF6D96D355B}" type="slidenum">
+            <a:fld id="{7B5BB846-8F45-4504-BDC0-0F7BC707794B}" type="slidenum">
               <a:rPr lang="en-US" smtClean="0"/>
               <a:t>‹#›</a:t>
             </a:fld>
@@ -2726,7 +2726,7 @@
     </p:spTree>
     <p:extLst>
       <p:ext uri="{BB962C8B-B14F-4D97-AF65-F5344CB8AC3E}">
-        <p14:creationId xmlns:p14="http://schemas.microsoft.com/office/powerpoint/2010/main" val="424308202"/>
+        <p14:creationId xmlns:p14="http://schemas.microsoft.com/office/powerpoint/2010/main" val="2461773378"/>
       </p:ext>
     </p:extLst>
   </p:cSld>
@@ -2763,7 +2763,7 @@
           <p:cNvPr id="2" name="Title Placeholder 1">
             <a:extLst>
               <a:ext uri="{FF2B5EF4-FFF2-40B4-BE49-F238E27FC236}">
-                <a16:creationId xmlns:a16="http://schemas.microsoft.com/office/drawing/2014/main" id="{FA6C8441-A677-3E02-0C35-5737BFFD0A48}"/>
+                <a16:creationId xmlns:a16="http://schemas.microsoft.com/office/drawing/2014/main" id="{35E1162F-9046-E5AB-DD73-91D5AE9F8AFF}"/>
               </a:ext>
             </a:extLst>
           </p:cNvPr>
@@ -2801,7 +2801,7 @@
           <p:cNvPr id="3" name="Text Placeholder 2">
             <a:extLst>
               <a:ext uri="{FF2B5EF4-FFF2-40B4-BE49-F238E27FC236}">
-                <a16:creationId xmlns:a16="http://schemas.microsoft.com/office/drawing/2014/main" id="{C37A4AB8-6264-A413-A320-6921CA8549E6}"/>
+                <a16:creationId xmlns:a16="http://schemas.microsoft.com/office/drawing/2014/main" id="{1DF3129F-D15C-86F2-674E-FC60F80A41CF}"/>
               </a:ext>
             </a:extLst>
           </p:cNvPr>
@@ -2868,7 +2868,7 @@
           <p:cNvPr id="4" name="Date Placeholder 3">
             <a:extLst>
               <a:ext uri="{FF2B5EF4-FFF2-40B4-BE49-F238E27FC236}">
-                <a16:creationId xmlns:a16="http://schemas.microsoft.com/office/drawing/2014/main" id="{28CC1968-15C8-9935-6473-EA6ECBFACB1B}"/>
+                <a16:creationId xmlns:a16="http://schemas.microsoft.com/office/drawing/2014/main" id="{8C024A6B-6AA2-2FE7-5D51-D6CFFB09F66C}"/>
               </a:ext>
             </a:extLst>
           </p:cNvPr>
@@ -2902,7 +2902,7 @@
             </a:lvl1pPr>
           </a:lstStyle>
           <a:p>
-            <a:fld id="{B2C49661-64CC-4D0A-9021-BF129A847C21}" type="datetimeFigureOut">
+            <a:fld id="{14B025BC-CC6C-43BD-9371-5F9D36C840BD}" type="datetimeFigureOut">
               <a:rPr lang="en-US" smtClean="0"/>
               <a:t>8/24/2024</a:t>
             </a:fld>
@@ -2915,7 +2915,7 @@
           <p:cNvPr id="5" name="Footer Placeholder 4">
             <a:extLst>
               <a:ext uri="{FF2B5EF4-FFF2-40B4-BE49-F238E27FC236}">
-                <a16:creationId xmlns:a16="http://schemas.microsoft.com/office/drawing/2014/main" id="{948B5056-65FE-3653-ED4C-23E598DF935A}"/>
+                <a16:creationId xmlns:a16="http://schemas.microsoft.com/office/drawing/2014/main" id="{06025045-FACA-EFC6-B920-AD1C58D7F7D1}"/>
               </a:ext>
             </a:extLst>
           </p:cNvPr>
@@ -2958,7 +2958,7 @@
           <p:cNvPr id="6" name="Slide Number Placeholder 5">
             <a:extLst>
               <a:ext uri="{FF2B5EF4-FFF2-40B4-BE49-F238E27FC236}">
-                <a16:creationId xmlns:a16="http://schemas.microsoft.com/office/drawing/2014/main" id="{7D36368F-6B93-411C-DE88-33D9242D9665}"/>
+                <a16:creationId xmlns:a16="http://schemas.microsoft.com/office/drawing/2014/main" id="{EBBFF5E6-8EEE-3E39-126C-7D625243FD2D}"/>
               </a:ext>
             </a:extLst>
           </p:cNvPr>
@@ -2992,7 +2992,7 @@
             </a:lvl1pPr>
           </a:lstStyle>
           <a:p>
-            <a:fld id="{2C9E350F-E808-49C6-A280-5AF6D96D355B}" type="slidenum">
+            <a:fld id="{7B5BB846-8F45-4504-BDC0-0F7BC707794B}" type="slidenum">
               <a:rPr lang="en-US" smtClean="0"/>
               <a:t>‹#›</a:t>
             </a:fld>
@@ -3003,7 +3003,7 @@
     </p:spTree>
     <p:extLst>
       <p:ext uri="{BB962C8B-B14F-4D97-AF65-F5344CB8AC3E}">
-        <p14:creationId xmlns:p14="http://schemas.microsoft.com/office/powerpoint/2010/main" val="901858513"/>
+        <p14:creationId xmlns:p14="http://schemas.microsoft.com/office/powerpoint/2010/main" val="1790717836"/>
       </p:ext>
     </p:extLst>
   </p:cSld>
@@ -3326,7 +3326,7 @@
           <p:cNvPr id="2" name="ImagePlaceholder">
             <a:extLst>
               <a:ext uri="{FF2B5EF4-FFF2-40B4-BE49-F238E27FC236}">
-                <a16:creationId xmlns:a16="http://schemas.microsoft.com/office/drawing/2014/main" id="{DF02D76A-5FA9-B7C6-D7D5-2A03E8D46670}"/>
+                <a16:creationId xmlns:a16="http://schemas.microsoft.com/office/drawing/2014/main" id="{84F2B5B1-95AB-ED13-C853-7C67E57E7571}"/>
               </a:ext>
             </a:extLst>
           </p:cNvPr>
@@ -3394,7 +3394,7 @@
           <p:cNvPr id="3" name="CollectionTitle">
             <a:extLst>
               <a:ext uri="{FF2B5EF4-FFF2-40B4-BE49-F238E27FC236}">
-                <a16:creationId xmlns:a16="http://schemas.microsoft.com/office/drawing/2014/main" id="{7D8EDA76-7D50-9625-22C4-70BCA3E37332}"/>
+                <a16:creationId xmlns:a16="http://schemas.microsoft.com/office/drawing/2014/main" id="{A1F1D96F-56E9-9BF4-F6C5-67760C5487E7}"/>
               </a:ext>
             </a:extLst>
           </p:cNvPr>
@@ -3439,7 +3439,7 @@
           <p:cNvPr id="5" name="TitleBox">
             <a:extLst>
               <a:ext uri="{FF2B5EF4-FFF2-40B4-BE49-F238E27FC236}">
-                <a16:creationId xmlns:a16="http://schemas.microsoft.com/office/drawing/2014/main" id="{37B9DA79-49CC-C7A5-83C5-144729056F32}"/>
+                <a16:creationId xmlns:a16="http://schemas.microsoft.com/office/drawing/2014/main" id="{3B46AF4E-394D-7CC9-B8BA-BEE0EEB7081A}"/>
               </a:ext>
             </a:extLst>
           </p:cNvPr>
@@ -3484,7 +3484,7 @@
           <p:cNvPr id="6" name="SubtitleBox">
             <a:extLst>
               <a:ext uri="{FF2B5EF4-FFF2-40B4-BE49-F238E27FC236}">
-                <a16:creationId xmlns:a16="http://schemas.microsoft.com/office/drawing/2014/main" id="{E9326429-F0F0-77A2-B346-DBE190C3D5B7}"/>
+                <a16:creationId xmlns:a16="http://schemas.microsoft.com/office/drawing/2014/main" id="{07154A6A-FBF1-5DF2-C7A4-F69E2BA11AE5}"/>
               </a:ext>
             </a:extLst>
           </p:cNvPr>
@@ -3524,7 +3524,7 @@
           <p:cNvPr id="7" name="Timestamp1">
             <a:extLst>
               <a:ext uri="{FF2B5EF4-FFF2-40B4-BE49-F238E27FC236}">
-                <a16:creationId xmlns:a16="http://schemas.microsoft.com/office/drawing/2014/main" id="{F7D5D7F4-38F8-2659-EE91-D08FD2FC7C31}"/>
+                <a16:creationId xmlns:a16="http://schemas.microsoft.com/office/drawing/2014/main" id="{483AA9AA-47CF-174A-128B-9BB713C4D699}"/>
               </a:ext>
             </a:extLst>
           </p:cNvPr>
@@ -3569,7 +3569,7 @@
           <p:cNvPr id="8" name="Timestamp2">
             <a:extLst>
               <a:ext uri="{FF2B5EF4-FFF2-40B4-BE49-F238E27FC236}">
-                <a16:creationId xmlns:a16="http://schemas.microsoft.com/office/drawing/2014/main" id="{D7C8AB67-DF3E-71BD-3D21-BF75F3DE5E2A}"/>
+                <a16:creationId xmlns:a16="http://schemas.microsoft.com/office/drawing/2014/main" id="{9DBDA296-8C37-1CFC-6EA2-8B21F6E6192D}"/>
               </a:ext>
             </a:extLst>
           </p:cNvPr>
@@ -3614,7 +3614,7 @@
           <p:cNvPr id="9" name="Timestamp3">
             <a:extLst>
               <a:ext uri="{FF2B5EF4-FFF2-40B4-BE49-F238E27FC236}">
-                <a16:creationId xmlns:a16="http://schemas.microsoft.com/office/drawing/2014/main" id="{14E30EC7-C627-B6F7-3652-173B0EE0E72D}"/>
+                <a16:creationId xmlns:a16="http://schemas.microsoft.com/office/drawing/2014/main" id="{5DCF252A-D3C5-A404-46F5-77A354827192}"/>
               </a:ext>
             </a:extLst>
           </p:cNvPr>
@@ -3659,7 +3659,7 @@
           <p:cNvPr id="10" name="Timestamp4">
             <a:extLst>
               <a:ext uri="{FF2B5EF4-FFF2-40B4-BE49-F238E27FC236}">
-                <a16:creationId xmlns:a16="http://schemas.microsoft.com/office/drawing/2014/main" id="{BE1CC625-0775-F2B9-F9C3-55C16CA07B70}"/>
+                <a16:creationId xmlns:a16="http://schemas.microsoft.com/office/drawing/2014/main" id="{3C82BD59-42D9-163C-B50E-7BF649161BED}"/>
               </a:ext>
             </a:extLst>
           </p:cNvPr>
@@ -3704,7 +3704,7 @@
           <p:cNvPr id="11" name="Timestamp5">
             <a:extLst>
               <a:ext uri="{FF2B5EF4-FFF2-40B4-BE49-F238E27FC236}">
-                <a16:creationId xmlns:a16="http://schemas.microsoft.com/office/drawing/2014/main" id="{020043FF-7A54-D34E-1D87-CBDA24155A3F}"/>
+                <a16:creationId xmlns:a16="http://schemas.microsoft.com/office/drawing/2014/main" id="{C0AB169B-878F-ACA9-60E0-746D13A5DA7B}"/>
               </a:ext>
             </a:extLst>
           </p:cNvPr>
@@ -3747,14 +3747,14 @@
     </p:spTree>
     <p:extLst>
       <p:ext uri="{BB962C8B-B14F-4D97-AF65-F5344CB8AC3E}">
-        <p14:creationId xmlns:p14="http://schemas.microsoft.com/office/powerpoint/2010/main" val="4024986337"/>
+        <p14:creationId xmlns:p14="http://schemas.microsoft.com/office/powerpoint/2010/main" val="2696471830"/>
       </p:ext>
     </p:extLst>
   </p:cSld>
   <p:clrMapOvr>
     <a:masterClrMapping/>
   </p:clrMapOvr>
-  <p:transition spd="slow" advTm="10000"/>
+  <p:transition spd="slow" advTm="7500"/>
   <p:timing>
     <p:tnLst>
       <p:par>
@@ -3957,7 +3957,7 @@
                               <p:par>
                                 <p:cTn id="21" presetID="10" presetClass="entr" presetSubtype="0" fill="hold" grpId="0" nodeType="afterEffect">
                                   <p:stCondLst>
-                                    <p:cond delay="500"/>
+                                    <p:cond delay="200"/>
                                   </p:stCondLst>
                                   <p:childTnLst>
                                     <p:set>
@@ -3980,7 +3980,7 @@
                                     </p:set>
                                     <p:animEffect transition="in" filter="fade">
                                       <p:cBhvr>
-                                        <p:cTn id="23" dur="500"/>
+                                        <p:cTn id="23" dur="300"/>
                                         <p:tgtEl>
                                           <p:spTgt spid="7"/>
                                         </p:tgtEl>
@@ -3995,13 +3995,13 @@
                         <p:par>
                           <p:cTn id="24" fill="hold">
                             <p:stCondLst>
-                              <p:cond delay="4500"/>
+                              <p:cond delay="4000"/>
                             </p:stCondLst>
                             <p:childTnLst>
                               <p:par>
                                 <p:cTn id="25" presetID="10" presetClass="entr" presetSubtype="0" fill="hold" grpId="0" nodeType="afterEffect">
                                   <p:stCondLst>
-                                    <p:cond delay="500"/>
+                                    <p:cond delay="200"/>
                                   </p:stCondLst>
                                   <p:childTnLst>
                                     <p:set>
@@ -4024,7 +4024,7 @@
                                     </p:set>
                                     <p:animEffect transition="in" filter="fade">
                                       <p:cBhvr>
-                                        <p:cTn id="27" dur="500"/>
+                                        <p:cTn id="27" dur="300"/>
                                         <p:tgtEl>
                                           <p:spTgt spid="8"/>
                                         </p:tgtEl>
@@ -4039,13 +4039,13 @@
                         <p:par>
                           <p:cTn id="28" fill="hold">
                             <p:stCondLst>
-                              <p:cond delay="5500"/>
+                              <p:cond delay="4500"/>
                             </p:stCondLst>
                             <p:childTnLst>
                               <p:par>
                                 <p:cTn id="29" presetID="10" presetClass="entr" presetSubtype="0" fill="hold" grpId="0" nodeType="afterEffect">
                                   <p:stCondLst>
-                                    <p:cond delay="500"/>
+                                    <p:cond delay="200"/>
                                   </p:stCondLst>
                                   <p:childTnLst>
                                     <p:set>
@@ -4068,7 +4068,7 @@
                                     </p:set>
                                     <p:animEffect transition="in" filter="fade">
                                       <p:cBhvr>
-                                        <p:cTn id="31" dur="500"/>
+                                        <p:cTn id="31" dur="300"/>
                                         <p:tgtEl>
                                           <p:spTgt spid="9"/>
                                         </p:tgtEl>
@@ -4083,13 +4083,13 @@
                         <p:par>
                           <p:cTn id="32" fill="hold">
                             <p:stCondLst>
-                              <p:cond delay="6500"/>
+                              <p:cond delay="5000"/>
                             </p:stCondLst>
                             <p:childTnLst>
                               <p:par>
                                 <p:cTn id="33" presetID="10" presetClass="entr" presetSubtype="0" fill="hold" grpId="0" nodeType="afterEffect">
                                   <p:stCondLst>
-                                    <p:cond delay="500"/>
+                                    <p:cond delay="200"/>
                                   </p:stCondLst>
                                   <p:childTnLst>
                                     <p:set>
@@ -4112,7 +4112,7 @@
                                     </p:set>
                                     <p:animEffect transition="in" filter="fade">
                                       <p:cBhvr>
-                                        <p:cTn id="35" dur="500"/>
+                                        <p:cTn id="35" dur="300"/>
                                         <p:tgtEl>
                                           <p:spTgt spid="10"/>
                                         </p:tgtEl>
@@ -4127,13 +4127,13 @@
                         <p:par>
                           <p:cTn id="36" fill="hold">
                             <p:stCondLst>
-                              <p:cond delay="7500"/>
+                              <p:cond delay="5500"/>
                             </p:stCondLst>
                             <p:childTnLst>
                               <p:par>
                                 <p:cTn id="37" presetID="10" presetClass="entr" presetSubtype="0" fill="hold" grpId="0" nodeType="afterEffect">
                                   <p:stCondLst>
-                                    <p:cond delay="500"/>
+                                    <p:cond delay="200"/>
                                   </p:stCondLst>
                                   <p:childTnLst>
                                     <p:set>
@@ -4156,7 +4156,7 @@
                                     </p:set>
                                     <p:animEffect transition="in" filter="fade">
                                       <p:cBhvr>
-                                        <p:cTn id="39" dur="500"/>
+                                        <p:cTn id="39" dur="300"/>
                                         <p:tgtEl>
                                           <p:spTgt spid="11"/>
                                         </p:tgtEl>

--- a/PythonBatchTools/BatchVideoIntros/intro_test.pptx
+++ b/PythonBatchTools/BatchVideoIntros/intro_test.pptx
@@ -129,7 +129,7 @@
           <p:cNvPr id="2" name="Title 1">
             <a:extLst>
               <a:ext uri="{FF2B5EF4-FFF2-40B4-BE49-F238E27FC236}">
-                <a16:creationId xmlns:a16="http://schemas.microsoft.com/office/drawing/2014/main" id="{0A6EAFEA-8A6E-9723-1AAD-287C1DA87571}"/>
+                <a16:creationId xmlns:a16="http://schemas.microsoft.com/office/drawing/2014/main" id="{CE784B2B-8B30-E6F0-94CF-0CA99C06420F}"/>
               </a:ext>
             </a:extLst>
           </p:cNvPr>
@@ -166,7 +166,7 @@
           <p:cNvPr id="3" name="Subtitle 2">
             <a:extLst>
               <a:ext uri="{FF2B5EF4-FFF2-40B4-BE49-F238E27FC236}">
-                <a16:creationId xmlns:a16="http://schemas.microsoft.com/office/drawing/2014/main" id="{513A4972-1705-1405-A2CB-CE581E252BB2}"/>
+                <a16:creationId xmlns:a16="http://schemas.microsoft.com/office/drawing/2014/main" id="{7B404B4D-5207-A9F1-8ACA-F6BCD8F61180}"/>
               </a:ext>
             </a:extLst>
           </p:cNvPr>
@@ -236,7 +236,7 @@
           <p:cNvPr id="4" name="Date Placeholder 3">
             <a:extLst>
               <a:ext uri="{FF2B5EF4-FFF2-40B4-BE49-F238E27FC236}">
-                <a16:creationId xmlns:a16="http://schemas.microsoft.com/office/drawing/2014/main" id="{34BD4B3E-2707-5A1B-6739-DA0A95A0C99B}"/>
+                <a16:creationId xmlns:a16="http://schemas.microsoft.com/office/drawing/2014/main" id="{4A2D8C45-2F4E-9696-52B4-4B0E27ABA541}"/>
               </a:ext>
             </a:extLst>
           </p:cNvPr>
@@ -252,7 +252,7 @@
           <a:bodyPr/>
           <a:lstStyle/>
           <a:p>
-            <a:fld id="{14B025BC-CC6C-43BD-9371-5F9D36C840BD}" type="datetimeFigureOut">
+            <a:fld id="{E62F4E31-0D0B-4847-82BC-E02D73BAD81B}" type="datetimeFigureOut">
               <a:rPr lang="en-US" smtClean="0"/>
               <a:t>8/24/2024</a:t>
             </a:fld>
@@ -265,7 +265,7 @@
           <p:cNvPr id="5" name="Footer Placeholder 4">
             <a:extLst>
               <a:ext uri="{FF2B5EF4-FFF2-40B4-BE49-F238E27FC236}">
-                <a16:creationId xmlns:a16="http://schemas.microsoft.com/office/drawing/2014/main" id="{ADD745BD-9E19-C913-EE20-B0454C395B2D}"/>
+                <a16:creationId xmlns:a16="http://schemas.microsoft.com/office/drawing/2014/main" id="{6B593540-7EE8-E387-95FF-5CFA9433FB6E}"/>
               </a:ext>
             </a:extLst>
           </p:cNvPr>
@@ -290,7 +290,7 @@
           <p:cNvPr id="6" name="Slide Number Placeholder 5">
             <a:extLst>
               <a:ext uri="{FF2B5EF4-FFF2-40B4-BE49-F238E27FC236}">
-                <a16:creationId xmlns:a16="http://schemas.microsoft.com/office/drawing/2014/main" id="{E5664362-DEE0-FCF8-7F55-9323F6681535}"/>
+                <a16:creationId xmlns:a16="http://schemas.microsoft.com/office/drawing/2014/main" id="{FB708C93-B991-5C0B-76C2-F8AD368AA959}"/>
               </a:ext>
             </a:extLst>
           </p:cNvPr>
@@ -306,7 +306,7 @@
           <a:bodyPr/>
           <a:lstStyle/>
           <a:p>
-            <a:fld id="{7B5BB846-8F45-4504-BDC0-0F7BC707794B}" type="slidenum">
+            <a:fld id="{293BD125-DD38-418A-A204-5D12BE25F40D}" type="slidenum">
               <a:rPr lang="en-US" smtClean="0"/>
               <a:t>‹#›</a:t>
             </a:fld>
@@ -317,7 +317,7 @@
     </p:spTree>
     <p:extLst>
       <p:ext uri="{BB962C8B-B14F-4D97-AF65-F5344CB8AC3E}">
-        <p14:creationId xmlns:p14="http://schemas.microsoft.com/office/powerpoint/2010/main" val="3310454484"/>
+        <p14:creationId xmlns:p14="http://schemas.microsoft.com/office/powerpoint/2010/main" val="1558909653"/>
       </p:ext>
     </p:extLst>
   </p:cSld>
@@ -349,7 +349,7 @@
           <p:cNvPr id="2" name="Title 1">
             <a:extLst>
               <a:ext uri="{FF2B5EF4-FFF2-40B4-BE49-F238E27FC236}">
-                <a16:creationId xmlns:a16="http://schemas.microsoft.com/office/drawing/2014/main" id="{7B94D341-F87C-EFAD-4564-D8F2F96E34C3}"/>
+                <a16:creationId xmlns:a16="http://schemas.microsoft.com/office/drawing/2014/main" id="{7AB96062-BC07-FF2C-F35C-A39D3538AB23}"/>
               </a:ext>
             </a:extLst>
           </p:cNvPr>
@@ -377,7 +377,7 @@
           <p:cNvPr id="3" name="Vertical Text Placeholder 2">
             <a:extLst>
               <a:ext uri="{FF2B5EF4-FFF2-40B4-BE49-F238E27FC236}">
-                <a16:creationId xmlns:a16="http://schemas.microsoft.com/office/drawing/2014/main" id="{17096F3E-2CFA-F092-12A5-1C00B827C6F3}"/>
+                <a16:creationId xmlns:a16="http://schemas.microsoft.com/office/drawing/2014/main" id="{9C618FE6-4816-9456-289B-4DFE8C308842}"/>
               </a:ext>
             </a:extLst>
           </p:cNvPr>
@@ -434,7 +434,7 @@
           <p:cNvPr id="4" name="Date Placeholder 3">
             <a:extLst>
               <a:ext uri="{FF2B5EF4-FFF2-40B4-BE49-F238E27FC236}">
-                <a16:creationId xmlns:a16="http://schemas.microsoft.com/office/drawing/2014/main" id="{B18CE594-C154-D1C8-A096-D54E9C91EDC8}"/>
+                <a16:creationId xmlns:a16="http://schemas.microsoft.com/office/drawing/2014/main" id="{575B47F8-B07F-068C-DC39-3E9AA0F1358A}"/>
               </a:ext>
             </a:extLst>
           </p:cNvPr>
@@ -450,7 +450,7 @@
           <a:bodyPr/>
           <a:lstStyle/>
           <a:p>
-            <a:fld id="{14B025BC-CC6C-43BD-9371-5F9D36C840BD}" type="datetimeFigureOut">
+            <a:fld id="{E62F4E31-0D0B-4847-82BC-E02D73BAD81B}" type="datetimeFigureOut">
               <a:rPr lang="en-US" smtClean="0"/>
               <a:t>8/24/2024</a:t>
             </a:fld>
@@ -463,7 +463,7 @@
           <p:cNvPr id="5" name="Footer Placeholder 4">
             <a:extLst>
               <a:ext uri="{FF2B5EF4-FFF2-40B4-BE49-F238E27FC236}">
-                <a16:creationId xmlns:a16="http://schemas.microsoft.com/office/drawing/2014/main" id="{1217466D-17D8-F092-E8BB-62D3CD25C49C}"/>
+                <a16:creationId xmlns:a16="http://schemas.microsoft.com/office/drawing/2014/main" id="{8524C056-33E6-B90B-D69E-5C0503754073}"/>
               </a:ext>
             </a:extLst>
           </p:cNvPr>
@@ -488,7 +488,7 @@
           <p:cNvPr id="6" name="Slide Number Placeholder 5">
             <a:extLst>
               <a:ext uri="{FF2B5EF4-FFF2-40B4-BE49-F238E27FC236}">
-                <a16:creationId xmlns:a16="http://schemas.microsoft.com/office/drawing/2014/main" id="{15385F41-D508-8629-B80D-4A7626890057}"/>
+                <a16:creationId xmlns:a16="http://schemas.microsoft.com/office/drawing/2014/main" id="{D89A1B2C-B5F9-4C33-2ADF-882D7F697369}"/>
               </a:ext>
             </a:extLst>
           </p:cNvPr>
@@ -504,7 +504,7 @@
           <a:bodyPr/>
           <a:lstStyle/>
           <a:p>
-            <a:fld id="{7B5BB846-8F45-4504-BDC0-0F7BC707794B}" type="slidenum">
+            <a:fld id="{293BD125-DD38-418A-A204-5D12BE25F40D}" type="slidenum">
               <a:rPr lang="en-US" smtClean="0"/>
               <a:t>‹#›</a:t>
             </a:fld>
@@ -515,7 +515,7 @@
     </p:spTree>
     <p:extLst>
       <p:ext uri="{BB962C8B-B14F-4D97-AF65-F5344CB8AC3E}">
-        <p14:creationId xmlns:p14="http://schemas.microsoft.com/office/powerpoint/2010/main" val="4037388198"/>
+        <p14:creationId xmlns:p14="http://schemas.microsoft.com/office/powerpoint/2010/main" val="2140166220"/>
       </p:ext>
     </p:extLst>
   </p:cSld>
@@ -547,7 +547,7 @@
           <p:cNvPr id="2" name="Vertical Title 1">
             <a:extLst>
               <a:ext uri="{FF2B5EF4-FFF2-40B4-BE49-F238E27FC236}">
-                <a16:creationId xmlns:a16="http://schemas.microsoft.com/office/drawing/2014/main" id="{D8BBAC77-19E0-C2BC-5B12-968B1E5A2C1F}"/>
+                <a16:creationId xmlns:a16="http://schemas.microsoft.com/office/drawing/2014/main" id="{18ABF130-873E-9557-BD1C-7FD6F13E2506}"/>
               </a:ext>
             </a:extLst>
           </p:cNvPr>
@@ -580,7 +580,7 @@
           <p:cNvPr id="3" name="Vertical Text Placeholder 2">
             <a:extLst>
               <a:ext uri="{FF2B5EF4-FFF2-40B4-BE49-F238E27FC236}">
-                <a16:creationId xmlns:a16="http://schemas.microsoft.com/office/drawing/2014/main" id="{50BD92F8-6973-0971-F734-5F9A161F7D95}"/>
+                <a16:creationId xmlns:a16="http://schemas.microsoft.com/office/drawing/2014/main" id="{91F16A99-119C-74D4-7DA7-9FBD79636A52}"/>
               </a:ext>
             </a:extLst>
           </p:cNvPr>
@@ -642,7 +642,7 @@
           <p:cNvPr id="4" name="Date Placeholder 3">
             <a:extLst>
               <a:ext uri="{FF2B5EF4-FFF2-40B4-BE49-F238E27FC236}">
-                <a16:creationId xmlns:a16="http://schemas.microsoft.com/office/drawing/2014/main" id="{3474AB76-4C85-790C-5752-157F59057AE2}"/>
+                <a16:creationId xmlns:a16="http://schemas.microsoft.com/office/drawing/2014/main" id="{F1F6DF26-2C77-6A98-CD9B-5D731C1D4A6E}"/>
               </a:ext>
             </a:extLst>
           </p:cNvPr>
@@ -658,7 +658,7 @@
           <a:bodyPr/>
           <a:lstStyle/>
           <a:p>
-            <a:fld id="{14B025BC-CC6C-43BD-9371-5F9D36C840BD}" type="datetimeFigureOut">
+            <a:fld id="{E62F4E31-0D0B-4847-82BC-E02D73BAD81B}" type="datetimeFigureOut">
               <a:rPr lang="en-US" smtClean="0"/>
               <a:t>8/24/2024</a:t>
             </a:fld>
@@ -671,7 +671,7 @@
           <p:cNvPr id="5" name="Footer Placeholder 4">
             <a:extLst>
               <a:ext uri="{FF2B5EF4-FFF2-40B4-BE49-F238E27FC236}">
-                <a16:creationId xmlns:a16="http://schemas.microsoft.com/office/drawing/2014/main" id="{20DEE8E9-63E5-BBF4-207E-B8D730BF10EC}"/>
+                <a16:creationId xmlns:a16="http://schemas.microsoft.com/office/drawing/2014/main" id="{74A3D0FD-6841-1AF5-9762-F34716BF1481}"/>
               </a:ext>
             </a:extLst>
           </p:cNvPr>
@@ -696,7 +696,7 @@
           <p:cNvPr id="6" name="Slide Number Placeholder 5">
             <a:extLst>
               <a:ext uri="{FF2B5EF4-FFF2-40B4-BE49-F238E27FC236}">
-                <a16:creationId xmlns:a16="http://schemas.microsoft.com/office/drawing/2014/main" id="{DECFEB64-6712-7386-DBCA-3AB8CC7F90E0}"/>
+                <a16:creationId xmlns:a16="http://schemas.microsoft.com/office/drawing/2014/main" id="{6A0847F9-23B6-BEFB-4E33-998F8DF43B40}"/>
               </a:ext>
             </a:extLst>
           </p:cNvPr>
@@ -712,7 +712,7 @@
           <a:bodyPr/>
           <a:lstStyle/>
           <a:p>
-            <a:fld id="{7B5BB846-8F45-4504-BDC0-0F7BC707794B}" type="slidenum">
+            <a:fld id="{293BD125-DD38-418A-A204-5D12BE25F40D}" type="slidenum">
               <a:rPr lang="en-US" smtClean="0"/>
               <a:t>‹#›</a:t>
             </a:fld>
@@ -723,7 +723,7 @@
     </p:spTree>
     <p:extLst>
       <p:ext uri="{BB962C8B-B14F-4D97-AF65-F5344CB8AC3E}">
-        <p14:creationId xmlns:p14="http://schemas.microsoft.com/office/powerpoint/2010/main" val="1856710250"/>
+        <p14:creationId xmlns:p14="http://schemas.microsoft.com/office/powerpoint/2010/main" val="3806131218"/>
       </p:ext>
     </p:extLst>
   </p:cSld>
@@ -755,7 +755,7 @@
           <p:cNvPr id="2" name="Title 1">
             <a:extLst>
               <a:ext uri="{FF2B5EF4-FFF2-40B4-BE49-F238E27FC236}">
-                <a16:creationId xmlns:a16="http://schemas.microsoft.com/office/drawing/2014/main" id="{41D79A1E-462C-5FCA-9558-5D776A470A00}"/>
+                <a16:creationId xmlns:a16="http://schemas.microsoft.com/office/drawing/2014/main" id="{321AE58F-15C4-1FFE-7A50-3E94F502A1CA}"/>
               </a:ext>
             </a:extLst>
           </p:cNvPr>
@@ -783,7 +783,7 @@
           <p:cNvPr id="3" name="Content Placeholder 2">
             <a:extLst>
               <a:ext uri="{FF2B5EF4-FFF2-40B4-BE49-F238E27FC236}">
-                <a16:creationId xmlns:a16="http://schemas.microsoft.com/office/drawing/2014/main" id="{D3416A26-8462-1F09-DC7D-11A708A28EA6}"/>
+                <a16:creationId xmlns:a16="http://schemas.microsoft.com/office/drawing/2014/main" id="{73440906-B812-D29B-4035-853D9600ED1F}"/>
               </a:ext>
             </a:extLst>
           </p:cNvPr>
@@ -840,7 +840,7 @@
           <p:cNvPr id="4" name="Date Placeholder 3">
             <a:extLst>
               <a:ext uri="{FF2B5EF4-FFF2-40B4-BE49-F238E27FC236}">
-                <a16:creationId xmlns:a16="http://schemas.microsoft.com/office/drawing/2014/main" id="{C08D3EB4-CA37-D5E3-FED8-D57F46C77692}"/>
+                <a16:creationId xmlns:a16="http://schemas.microsoft.com/office/drawing/2014/main" id="{047F9FF8-CA5B-D940-E0A4-FD25B81DF2AD}"/>
               </a:ext>
             </a:extLst>
           </p:cNvPr>
@@ -856,7 +856,7 @@
           <a:bodyPr/>
           <a:lstStyle/>
           <a:p>
-            <a:fld id="{14B025BC-CC6C-43BD-9371-5F9D36C840BD}" type="datetimeFigureOut">
+            <a:fld id="{E62F4E31-0D0B-4847-82BC-E02D73BAD81B}" type="datetimeFigureOut">
               <a:rPr lang="en-US" smtClean="0"/>
               <a:t>8/24/2024</a:t>
             </a:fld>
@@ -869,7 +869,7 @@
           <p:cNvPr id="5" name="Footer Placeholder 4">
             <a:extLst>
               <a:ext uri="{FF2B5EF4-FFF2-40B4-BE49-F238E27FC236}">
-                <a16:creationId xmlns:a16="http://schemas.microsoft.com/office/drawing/2014/main" id="{595180B6-69E7-8252-E0A0-99EA966D572C}"/>
+                <a16:creationId xmlns:a16="http://schemas.microsoft.com/office/drawing/2014/main" id="{9CD8D180-629C-8E88-5764-95C6E75CA3BB}"/>
               </a:ext>
             </a:extLst>
           </p:cNvPr>
@@ -894,7 +894,7 @@
           <p:cNvPr id="6" name="Slide Number Placeholder 5">
             <a:extLst>
               <a:ext uri="{FF2B5EF4-FFF2-40B4-BE49-F238E27FC236}">
-                <a16:creationId xmlns:a16="http://schemas.microsoft.com/office/drawing/2014/main" id="{2170A67A-1924-9980-8C3D-9482096E3B66}"/>
+                <a16:creationId xmlns:a16="http://schemas.microsoft.com/office/drawing/2014/main" id="{0DFEE4F9-F9F8-424F-8EDD-EAB4A0738974}"/>
               </a:ext>
             </a:extLst>
           </p:cNvPr>
@@ -910,7 +910,7 @@
           <a:bodyPr/>
           <a:lstStyle/>
           <a:p>
-            <a:fld id="{7B5BB846-8F45-4504-BDC0-0F7BC707794B}" type="slidenum">
+            <a:fld id="{293BD125-DD38-418A-A204-5D12BE25F40D}" type="slidenum">
               <a:rPr lang="en-US" smtClean="0"/>
               <a:t>‹#›</a:t>
             </a:fld>
@@ -921,7 +921,7 @@
     </p:spTree>
     <p:extLst>
       <p:ext uri="{BB962C8B-B14F-4D97-AF65-F5344CB8AC3E}">
-        <p14:creationId xmlns:p14="http://schemas.microsoft.com/office/powerpoint/2010/main" val="3684178948"/>
+        <p14:creationId xmlns:p14="http://schemas.microsoft.com/office/powerpoint/2010/main" val="2645156754"/>
       </p:ext>
     </p:extLst>
   </p:cSld>
@@ -953,7 +953,7 @@
           <p:cNvPr id="2" name="Title 1">
             <a:extLst>
               <a:ext uri="{FF2B5EF4-FFF2-40B4-BE49-F238E27FC236}">
-                <a16:creationId xmlns:a16="http://schemas.microsoft.com/office/drawing/2014/main" id="{5DFD7770-E0A1-C11F-1A5E-B6510DD266F2}"/>
+                <a16:creationId xmlns:a16="http://schemas.microsoft.com/office/drawing/2014/main" id="{6D029063-BFC8-2EFF-E37B-73CF6FE92673}"/>
               </a:ext>
             </a:extLst>
           </p:cNvPr>
@@ -990,7 +990,7 @@
           <p:cNvPr id="3" name="Text Placeholder 2">
             <a:extLst>
               <a:ext uri="{FF2B5EF4-FFF2-40B4-BE49-F238E27FC236}">
-                <a16:creationId xmlns:a16="http://schemas.microsoft.com/office/drawing/2014/main" id="{6E9790AD-C4F6-06AB-CA85-AD45064547B8}"/>
+                <a16:creationId xmlns:a16="http://schemas.microsoft.com/office/drawing/2014/main" id="{5B48FFC2-59B5-80E2-E063-21161FF23EBC}"/>
               </a:ext>
             </a:extLst>
           </p:cNvPr>
@@ -1115,7 +1115,7 @@
           <p:cNvPr id="4" name="Date Placeholder 3">
             <a:extLst>
               <a:ext uri="{FF2B5EF4-FFF2-40B4-BE49-F238E27FC236}">
-                <a16:creationId xmlns:a16="http://schemas.microsoft.com/office/drawing/2014/main" id="{D2ED0636-3901-5436-72E2-F3BBB7FA3C4A}"/>
+                <a16:creationId xmlns:a16="http://schemas.microsoft.com/office/drawing/2014/main" id="{5C3533FF-D9BC-58D0-5276-D79861619009}"/>
               </a:ext>
             </a:extLst>
           </p:cNvPr>
@@ -1131,7 +1131,7 @@
           <a:bodyPr/>
           <a:lstStyle/>
           <a:p>
-            <a:fld id="{14B025BC-CC6C-43BD-9371-5F9D36C840BD}" type="datetimeFigureOut">
+            <a:fld id="{E62F4E31-0D0B-4847-82BC-E02D73BAD81B}" type="datetimeFigureOut">
               <a:rPr lang="en-US" smtClean="0"/>
               <a:t>8/24/2024</a:t>
             </a:fld>
@@ -1144,7 +1144,7 @@
           <p:cNvPr id="5" name="Footer Placeholder 4">
             <a:extLst>
               <a:ext uri="{FF2B5EF4-FFF2-40B4-BE49-F238E27FC236}">
-                <a16:creationId xmlns:a16="http://schemas.microsoft.com/office/drawing/2014/main" id="{D7CB80DB-5CA9-41A3-EDEB-4956B69D0CEE}"/>
+                <a16:creationId xmlns:a16="http://schemas.microsoft.com/office/drawing/2014/main" id="{D0F78776-DE7B-84FD-044D-D66B737E35C1}"/>
               </a:ext>
             </a:extLst>
           </p:cNvPr>
@@ -1169,7 +1169,7 @@
           <p:cNvPr id="6" name="Slide Number Placeholder 5">
             <a:extLst>
               <a:ext uri="{FF2B5EF4-FFF2-40B4-BE49-F238E27FC236}">
-                <a16:creationId xmlns:a16="http://schemas.microsoft.com/office/drawing/2014/main" id="{A8462BF7-4426-9CCC-075A-81DC758DC8FB}"/>
+                <a16:creationId xmlns:a16="http://schemas.microsoft.com/office/drawing/2014/main" id="{3A67E6FB-13DC-6CFB-91DA-08A8469934B1}"/>
               </a:ext>
             </a:extLst>
           </p:cNvPr>
@@ -1185,7 +1185,7 @@
           <a:bodyPr/>
           <a:lstStyle/>
           <a:p>
-            <a:fld id="{7B5BB846-8F45-4504-BDC0-0F7BC707794B}" type="slidenum">
+            <a:fld id="{293BD125-DD38-418A-A204-5D12BE25F40D}" type="slidenum">
               <a:rPr lang="en-US" smtClean="0"/>
               <a:t>‹#›</a:t>
             </a:fld>
@@ -1196,7 +1196,7 @@
     </p:spTree>
     <p:extLst>
       <p:ext uri="{BB962C8B-B14F-4D97-AF65-F5344CB8AC3E}">
-        <p14:creationId xmlns:p14="http://schemas.microsoft.com/office/powerpoint/2010/main" val="1595502391"/>
+        <p14:creationId xmlns:p14="http://schemas.microsoft.com/office/powerpoint/2010/main" val="1274085956"/>
       </p:ext>
     </p:extLst>
   </p:cSld>
@@ -1228,7 +1228,7 @@
           <p:cNvPr id="2" name="Title 1">
             <a:extLst>
               <a:ext uri="{FF2B5EF4-FFF2-40B4-BE49-F238E27FC236}">
-                <a16:creationId xmlns:a16="http://schemas.microsoft.com/office/drawing/2014/main" id="{4A748F90-C3B9-7300-F128-19C8463C492C}"/>
+                <a16:creationId xmlns:a16="http://schemas.microsoft.com/office/drawing/2014/main" id="{CFF645ED-BFD6-DBBA-E392-14F3CCA3666E}"/>
               </a:ext>
             </a:extLst>
           </p:cNvPr>
@@ -1256,7 +1256,7 @@
           <p:cNvPr id="3" name="Content Placeholder 2">
             <a:extLst>
               <a:ext uri="{FF2B5EF4-FFF2-40B4-BE49-F238E27FC236}">
-                <a16:creationId xmlns:a16="http://schemas.microsoft.com/office/drawing/2014/main" id="{9AF15675-2024-5B86-B102-6E323158D483}"/>
+                <a16:creationId xmlns:a16="http://schemas.microsoft.com/office/drawing/2014/main" id="{DDAD3AD2-1FA2-622D-1B09-9E19A7BB4031}"/>
               </a:ext>
             </a:extLst>
           </p:cNvPr>
@@ -1318,7 +1318,7 @@
           <p:cNvPr id="4" name="Content Placeholder 3">
             <a:extLst>
               <a:ext uri="{FF2B5EF4-FFF2-40B4-BE49-F238E27FC236}">
-                <a16:creationId xmlns:a16="http://schemas.microsoft.com/office/drawing/2014/main" id="{FA40DF20-FF38-AB8B-9349-CC4EAA9EA0FE}"/>
+                <a16:creationId xmlns:a16="http://schemas.microsoft.com/office/drawing/2014/main" id="{9673193B-A909-EEEB-A90F-83E17D62C736}"/>
               </a:ext>
             </a:extLst>
           </p:cNvPr>
@@ -1380,7 +1380,7 @@
           <p:cNvPr id="5" name="Date Placeholder 4">
             <a:extLst>
               <a:ext uri="{FF2B5EF4-FFF2-40B4-BE49-F238E27FC236}">
-                <a16:creationId xmlns:a16="http://schemas.microsoft.com/office/drawing/2014/main" id="{A69FBD5E-A43A-D276-234C-51529F78BFB9}"/>
+                <a16:creationId xmlns:a16="http://schemas.microsoft.com/office/drawing/2014/main" id="{BE3475E4-A5CE-1B75-8F8C-6CDBAFB2BE60}"/>
               </a:ext>
             </a:extLst>
           </p:cNvPr>
@@ -1396,7 +1396,7 @@
           <a:bodyPr/>
           <a:lstStyle/>
           <a:p>
-            <a:fld id="{14B025BC-CC6C-43BD-9371-5F9D36C840BD}" type="datetimeFigureOut">
+            <a:fld id="{E62F4E31-0D0B-4847-82BC-E02D73BAD81B}" type="datetimeFigureOut">
               <a:rPr lang="en-US" smtClean="0"/>
               <a:t>8/24/2024</a:t>
             </a:fld>
@@ -1409,7 +1409,7 @@
           <p:cNvPr id="6" name="Footer Placeholder 5">
             <a:extLst>
               <a:ext uri="{FF2B5EF4-FFF2-40B4-BE49-F238E27FC236}">
-                <a16:creationId xmlns:a16="http://schemas.microsoft.com/office/drawing/2014/main" id="{DB8B4DB0-8353-0808-25EE-75D2A467C781}"/>
+                <a16:creationId xmlns:a16="http://schemas.microsoft.com/office/drawing/2014/main" id="{6C1E0942-20A8-9AB0-CC74-1FFD0BFC764C}"/>
               </a:ext>
             </a:extLst>
           </p:cNvPr>
@@ -1434,7 +1434,7 @@
           <p:cNvPr id="7" name="Slide Number Placeholder 6">
             <a:extLst>
               <a:ext uri="{FF2B5EF4-FFF2-40B4-BE49-F238E27FC236}">
-                <a16:creationId xmlns:a16="http://schemas.microsoft.com/office/drawing/2014/main" id="{6190FECC-E51E-6508-E285-AB039ABE4F95}"/>
+                <a16:creationId xmlns:a16="http://schemas.microsoft.com/office/drawing/2014/main" id="{7C288E54-9778-8A44-65EF-1B3EFA4F0433}"/>
               </a:ext>
             </a:extLst>
           </p:cNvPr>
@@ -1450,7 +1450,7 @@
           <a:bodyPr/>
           <a:lstStyle/>
           <a:p>
-            <a:fld id="{7B5BB846-8F45-4504-BDC0-0F7BC707794B}" type="slidenum">
+            <a:fld id="{293BD125-DD38-418A-A204-5D12BE25F40D}" type="slidenum">
               <a:rPr lang="en-US" smtClean="0"/>
               <a:t>‹#›</a:t>
             </a:fld>
@@ -1461,7 +1461,7 @@
     </p:spTree>
     <p:extLst>
       <p:ext uri="{BB962C8B-B14F-4D97-AF65-F5344CB8AC3E}">
-        <p14:creationId xmlns:p14="http://schemas.microsoft.com/office/powerpoint/2010/main" val="2704932755"/>
+        <p14:creationId xmlns:p14="http://schemas.microsoft.com/office/powerpoint/2010/main" val="2723559261"/>
       </p:ext>
     </p:extLst>
   </p:cSld>
@@ -1493,7 +1493,7 @@
           <p:cNvPr id="2" name="Title 1">
             <a:extLst>
               <a:ext uri="{FF2B5EF4-FFF2-40B4-BE49-F238E27FC236}">
-                <a16:creationId xmlns:a16="http://schemas.microsoft.com/office/drawing/2014/main" id="{B9132D19-A6B6-F2E6-7622-469762936547}"/>
+                <a16:creationId xmlns:a16="http://schemas.microsoft.com/office/drawing/2014/main" id="{E7C7D426-1F85-2DDC-7FA4-260E7FC8517D}"/>
               </a:ext>
             </a:extLst>
           </p:cNvPr>
@@ -1526,7 +1526,7 @@
           <p:cNvPr id="3" name="Text Placeholder 2">
             <a:extLst>
               <a:ext uri="{FF2B5EF4-FFF2-40B4-BE49-F238E27FC236}">
-                <a16:creationId xmlns:a16="http://schemas.microsoft.com/office/drawing/2014/main" id="{ECA9CAAF-3206-685A-C5A6-6955806E4A3B}"/>
+                <a16:creationId xmlns:a16="http://schemas.microsoft.com/office/drawing/2014/main" id="{B65BD5F6-F3D5-016F-CAD9-E9384B9471D8}"/>
               </a:ext>
             </a:extLst>
           </p:cNvPr>
@@ -1597,7 +1597,7 @@
           <p:cNvPr id="4" name="Content Placeholder 3">
             <a:extLst>
               <a:ext uri="{FF2B5EF4-FFF2-40B4-BE49-F238E27FC236}">
-                <a16:creationId xmlns:a16="http://schemas.microsoft.com/office/drawing/2014/main" id="{38F4E7BE-8957-A219-CAC6-33277D4A98AE}"/>
+                <a16:creationId xmlns:a16="http://schemas.microsoft.com/office/drawing/2014/main" id="{5244DDAE-AF00-3392-B2FE-E0DC08D99099}"/>
               </a:ext>
             </a:extLst>
           </p:cNvPr>
@@ -1659,7 +1659,7 @@
           <p:cNvPr id="5" name="Text Placeholder 4">
             <a:extLst>
               <a:ext uri="{FF2B5EF4-FFF2-40B4-BE49-F238E27FC236}">
-                <a16:creationId xmlns:a16="http://schemas.microsoft.com/office/drawing/2014/main" id="{F0A7D875-62E0-725B-B24A-3A6E14D2BE1B}"/>
+                <a16:creationId xmlns:a16="http://schemas.microsoft.com/office/drawing/2014/main" id="{B87BC7A5-9E44-06B9-6946-750F5C02F3B0}"/>
               </a:ext>
             </a:extLst>
           </p:cNvPr>
@@ -1730,7 +1730,7 @@
           <p:cNvPr id="6" name="Content Placeholder 5">
             <a:extLst>
               <a:ext uri="{FF2B5EF4-FFF2-40B4-BE49-F238E27FC236}">
-                <a16:creationId xmlns:a16="http://schemas.microsoft.com/office/drawing/2014/main" id="{6D537028-A5D4-62B1-BCA3-FC213533BE0E}"/>
+                <a16:creationId xmlns:a16="http://schemas.microsoft.com/office/drawing/2014/main" id="{87631F8C-E204-AC38-BD61-82F146CB68B1}"/>
               </a:ext>
             </a:extLst>
           </p:cNvPr>
@@ -1792,7 +1792,7 @@
           <p:cNvPr id="7" name="Date Placeholder 6">
             <a:extLst>
               <a:ext uri="{FF2B5EF4-FFF2-40B4-BE49-F238E27FC236}">
-                <a16:creationId xmlns:a16="http://schemas.microsoft.com/office/drawing/2014/main" id="{37E5F287-EB04-AE6B-0B5B-F4075DAEF9CD}"/>
+                <a16:creationId xmlns:a16="http://schemas.microsoft.com/office/drawing/2014/main" id="{35E9FEDD-D151-26B7-4961-9B4BFCE63FD3}"/>
               </a:ext>
             </a:extLst>
           </p:cNvPr>
@@ -1808,7 +1808,7 @@
           <a:bodyPr/>
           <a:lstStyle/>
           <a:p>
-            <a:fld id="{14B025BC-CC6C-43BD-9371-5F9D36C840BD}" type="datetimeFigureOut">
+            <a:fld id="{E62F4E31-0D0B-4847-82BC-E02D73BAD81B}" type="datetimeFigureOut">
               <a:rPr lang="en-US" smtClean="0"/>
               <a:t>8/24/2024</a:t>
             </a:fld>
@@ -1821,7 +1821,7 @@
           <p:cNvPr id="8" name="Footer Placeholder 7">
             <a:extLst>
               <a:ext uri="{FF2B5EF4-FFF2-40B4-BE49-F238E27FC236}">
-                <a16:creationId xmlns:a16="http://schemas.microsoft.com/office/drawing/2014/main" id="{60579895-CDDE-E469-BDD9-97E5AD8DE774}"/>
+                <a16:creationId xmlns:a16="http://schemas.microsoft.com/office/drawing/2014/main" id="{0F8F2B0D-E5C4-6982-3FE1-4544C86B38F8}"/>
               </a:ext>
             </a:extLst>
           </p:cNvPr>
@@ -1846,7 +1846,7 @@
           <p:cNvPr id="9" name="Slide Number Placeholder 8">
             <a:extLst>
               <a:ext uri="{FF2B5EF4-FFF2-40B4-BE49-F238E27FC236}">
-                <a16:creationId xmlns:a16="http://schemas.microsoft.com/office/drawing/2014/main" id="{3A8396C1-F298-F4CD-00FB-36A34EAD90C2}"/>
+                <a16:creationId xmlns:a16="http://schemas.microsoft.com/office/drawing/2014/main" id="{0006CCAD-5FE8-22B6-8C7E-C0F62F863ED9}"/>
               </a:ext>
             </a:extLst>
           </p:cNvPr>
@@ -1862,7 +1862,7 @@
           <a:bodyPr/>
           <a:lstStyle/>
           <a:p>
-            <a:fld id="{7B5BB846-8F45-4504-BDC0-0F7BC707794B}" type="slidenum">
+            <a:fld id="{293BD125-DD38-418A-A204-5D12BE25F40D}" type="slidenum">
               <a:rPr lang="en-US" smtClean="0"/>
               <a:t>‹#›</a:t>
             </a:fld>
@@ -1873,7 +1873,7 @@
     </p:spTree>
     <p:extLst>
       <p:ext uri="{BB962C8B-B14F-4D97-AF65-F5344CB8AC3E}">
-        <p14:creationId xmlns:p14="http://schemas.microsoft.com/office/powerpoint/2010/main" val="3729483678"/>
+        <p14:creationId xmlns:p14="http://schemas.microsoft.com/office/powerpoint/2010/main" val="1193024210"/>
       </p:ext>
     </p:extLst>
   </p:cSld>
@@ -1905,7 +1905,7 @@
           <p:cNvPr id="2" name="Title 1">
             <a:extLst>
               <a:ext uri="{FF2B5EF4-FFF2-40B4-BE49-F238E27FC236}">
-                <a16:creationId xmlns:a16="http://schemas.microsoft.com/office/drawing/2014/main" id="{572D5792-57AC-D546-7FF8-0A062B839BD8}"/>
+                <a16:creationId xmlns:a16="http://schemas.microsoft.com/office/drawing/2014/main" id="{0F18D21D-314B-D717-D59A-DD12FAC6C3C9}"/>
               </a:ext>
             </a:extLst>
           </p:cNvPr>
@@ -1933,7 +1933,7 @@
           <p:cNvPr id="3" name="Date Placeholder 2">
             <a:extLst>
               <a:ext uri="{FF2B5EF4-FFF2-40B4-BE49-F238E27FC236}">
-                <a16:creationId xmlns:a16="http://schemas.microsoft.com/office/drawing/2014/main" id="{BD4FC105-D60C-34D8-68DD-F09DD83A600A}"/>
+                <a16:creationId xmlns:a16="http://schemas.microsoft.com/office/drawing/2014/main" id="{50C6AF04-0798-AF81-CAB7-536A0ACB2B36}"/>
               </a:ext>
             </a:extLst>
           </p:cNvPr>
@@ -1949,7 +1949,7 @@
           <a:bodyPr/>
           <a:lstStyle/>
           <a:p>
-            <a:fld id="{14B025BC-CC6C-43BD-9371-5F9D36C840BD}" type="datetimeFigureOut">
+            <a:fld id="{E62F4E31-0D0B-4847-82BC-E02D73BAD81B}" type="datetimeFigureOut">
               <a:rPr lang="en-US" smtClean="0"/>
               <a:t>8/24/2024</a:t>
             </a:fld>
@@ -1962,7 +1962,7 @@
           <p:cNvPr id="4" name="Footer Placeholder 3">
             <a:extLst>
               <a:ext uri="{FF2B5EF4-FFF2-40B4-BE49-F238E27FC236}">
-                <a16:creationId xmlns:a16="http://schemas.microsoft.com/office/drawing/2014/main" id="{11FD285D-BF83-5F4A-5480-153F247DDE8E}"/>
+                <a16:creationId xmlns:a16="http://schemas.microsoft.com/office/drawing/2014/main" id="{CDB1B87B-15D1-4511-EDE9-9850057A5C24}"/>
               </a:ext>
             </a:extLst>
           </p:cNvPr>
@@ -1987,7 +1987,7 @@
           <p:cNvPr id="5" name="Slide Number Placeholder 4">
             <a:extLst>
               <a:ext uri="{FF2B5EF4-FFF2-40B4-BE49-F238E27FC236}">
-                <a16:creationId xmlns:a16="http://schemas.microsoft.com/office/drawing/2014/main" id="{C875724C-F1E1-CCD0-690A-057286FAC452}"/>
+                <a16:creationId xmlns:a16="http://schemas.microsoft.com/office/drawing/2014/main" id="{9D333E2C-A25B-465B-1A8D-06663A75FF9E}"/>
               </a:ext>
             </a:extLst>
           </p:cNvPr>
@@ -2003,7 +2003,7 @@
           <a:bodyPr/>
           <a:lstStyle/>
           <a:p>
-            <a:fld id="{7B5BB846-8F45-4504-BDC0-0F7BC707794B}" type="slidenum">
+            <a:fld id="{293BD125-DD38-418A-A204-5D12BE25F40D}" type="slidenum">
               <a:rPr lang="en-US" smtClean="0"/>
               <a:t>‹#›</a:t>
             </a:fld>
@@ -2014,7 +2014,7 @@
     </p:spTree>
     <p:extLst>
       <p:ext uri="{BB962C8B-B14F-4D97-AF65-F5344CB8AC3E}">
-        <p14:creationId xmlns:p14="http://schemas.microsoft.com/office/powerpoint/2010/main" val="2339132571"/>
+        <p14:creationId xmlns:p14="http://schemas.microsoft.com/office/powerpoint/2010/main" val="3837041901"/>
       </p:ext>
     </p:extLst>
   </p:cSld>
@@ -2046,7 +2046,7 @@
           <p:cNvPr id="2" name="Date Placeholder 1">
             <a:extLst>
               <a:ext uri="{FF2B5EF4-FFF2-40B4-BE49-F238E27FC236}">
-                <a16:creationId xmlns:a16="http://schemas.microsoft.com/office/drawing/2014/main" id="{605C20CE-431F-3F8C-AB0A-9A4F17CDF49E}"/>
+                <a16:creationId xmlns:a16="http://schemas.microsoft.com/office/drawing/2014/main" id="{F56A26D1-DB37-C681-2910-858163D9BD76}"/>
               </a:ext>
             </a:extLst>
           </p:cNvPr>
@@ -2062,7 +2062,7 @@
           <a:bodyPr/>
           <a:lstStyle/>
           <a:p>
-            <a:fld id="{14B025BC-CC6C-43BD-9371-5F9D36C840BD}" type="datetimeFigureOut">
+            <a:fld id="{E62F4E31-0D0B-4847-82BC-E02D73BAD81B}" type="datetimeFigureOut">
               <a:rPr lang="en-US" smtClean="0"/>
               <a:t>8/24/2024</a:t>
             </a:fld>
@@ -2075,7 +2075,7 @@
           <p:cNvPr id="3" name="Footer Placeholder 2">
             <a:extLst>
               <a:ext uri="{FF2B5EF4-FFF2-40B4-BE49-F238E27FC236}">
-                <a16:creationId xmlns:a16="http://schemas.microsoft.com/office/drawing/2014/main" id="{82C7B6BC-B1BB-EB6D-10AB-748FD1C7CCBC}"/>
+                <a16:creationId xmlns:a16="http://schemas.microsoft.com/office/drawing/2014/main" id="{39CB16AE-6417-D3C8-A92E-2847A283538E}"/>
               </a:ext>
             </a:extLst>
           </p:cNvPr>
@@ -2100,7 +2100,7 @@
           <p:cNvPr id="4" name="Slide Number Placeholder 3">
             <a:extLst>
               <a:ext uri="{FF2B5EF4-FFF2-40B4-BE49-F238E27FC236}">
-                <a16:creationId xmlns:a16="http://schemas.microsoft.com/office/drawing/2014/main" id="{2E10AD40-DF38-3A3C-3C66-E5D842505F95}"/>
+                <a16:creationId xmlns:a16="http://schemas.microsoft.com/office/drawing/2014/main" id="{D94990F4-D0EE-236A-489B-74A80AE3D4B9}"/>
               </a:ext>
             </a:extLst>
           </p:cNvPr>
@@ -2116,7 +2116,7 @@
           <a:bodyPr/>
           <a:lstStyle/>
           <a:p>
-            <a:fld id="{7B5BB846-8F45-4504-BDC0-0F7BC707794B}" type="slidenum">
+            <a:fld id="{293BD125-DD38-418A-A204-5D12BE25F40D}" type="slidenum">
               <a:rPr lang="en-US" smtClean="0"/>
               <a:t>‹#›</a:t>
             </a:fld>
@@ -2127,7 +2127,7 @@
     </p:spTree>
     <p:extLst>
       <p:ext uri="{BB962C8B-B14F-4D97-AF65-F5344CB8AC3E}">
-        <p14:creationId xmlns:p14="http://schemas.microsoft.com/office/powerpoint/2010/main" val="1518923466"/>
+        <p14:creationId xmlns:p14="http://schemas.microsoft.com/office/powerpoint/2010/main" val="1472130778"/>
       </p:ext>
     </p:extLst>
   </p:cSld>
@@ -2159,7 +2159,7 @@
           <p:cNvPr id="2" name="Title 1">
             <a:extLst>
               <a:ext uri="{FF2B5EF4-FFF2-40B4-BE49-F238E27FC236}">
-                <a16:creationId xmlns:a16="http://schemas.microsoft.com/office/drawing/2014/main" id="{183F06A3-63EB-8D5C-8566-A87E74842AC5}"/>
+                <a16:creationId xmlns:a16="http://schemas.microsoft.com/office/drawing/2014/main" id="{A31EA5A0-B6EF-4A3A-EA3B-DE603C5659ED}"/>
               </a:ext>
             </a:extLst>
           </p:cNvPr>
@@ -2196,7 +2196,7 @@
           <p:cNvPr id="3" name="Content Placeholder 2">
             <a:extLst>
               <a:ext uri="{FF2B5EF4-FFF2-40B4-BE49-F238E27FC236}">
-                <a16:creationId xmlns:a16="http://schemas.microsoft.com/office/drawing/2014/main" id="{F6E228C8-5112-A562-08A8-110599E44A11}"/>
+                <a16:creationId xmlns:a16="http://schemas.microsoft.com/office/drawing/2014/main" id="{D6A9043D-61F8-A6D4-C920-5A665255F69B}"/>
               </a:ext>
             </a:extLst>
           </p:cNvPr>
@@ -2286,7 +2286,7 @@
           <p:cNvPr id="4" name="Text Placeholder 3">
             <a:extLst>
               <a:ext uri="{FF2B5EF4-FFF2-40B4-BE49-F238E27FC236}">
-                <a16:creationId xmlns:a16="http://schemas.microsoft.com/office/drawing/2014/main" id="{FB2CE3F6-3D8E-AB06-1AB4-E5DF5C4C8F08}"/>
+                <a16:creationId xmlns:a16="http://schemas.microsoft.com/office/drawing/2014/main" id="{DF9083AD-D250-AB87-DF63-43E229966EE4}"/>
               </a:ext>
             </a:extLst>
           </p:cNvPr>
@@ -2357,7 +2357,7 @@
           <p:cNvPr id="5" name="Date Placeholder 4">
             <a:extLst>
               <a:ext uri="{FF2B5EF4-FFF2-40B4-BE49-F238E27FC236}">
-                <a16:creationId xmlns:a16="http://schemas.microsoft.com/office/drawing/2014/main" id="{F9521910-204D-FF8E-5A9E-DC65CA8437FE}"/>
+                <a16:creationId xmlns:a16="http://schemas.microsoft.com/office/drawing/2014/main" id="{93EF2C7C-022D-E868-B6E8-0C2A4864D6EB}"/>
               </a:ext>
             </a:extLst>
           </p:cNvPr>
@@ -2373,7 +2373,7 @@
           <a:bodyPr/>
           <a:lstStyle/>
           <a:p>
-            <a:fld id="{14B025BC-CC6C-43BD-9371-5F9D36C840BD}" type="datetimeFigureOut">
+            <a:fld id="{E62F4E31-0D0B-4847-82BC-E02D73BAD81B}" type="datetimeFigureOut">
               <a:rPr lang="en-US" smtClean="0"/>
               <a:t>8/24/2024</a:t>
             </a:fld>
@@ -2386,7 +2386,7 @@
           <p:cNvPr id="6" name="Footer Placeholder 5">
             <a:extLst>
               <a:ext uri="{FF2B5EF4-FFF2-40B4-BE49-F238E27FC236}">
-                <a16:creationId xmlns:a16="http://schemas.microsoft.com/office/drawing/2014/main" id="{AC8B2AB1-4F65-4223-2772-11D50D5FA9A5}"/>
+                <a16:creationId xmlns:a16="http://schemas.microsoft.com/office/drawing/2014/main" id="{9C6D1D4B-F28D-7187-93F3-55530E1FCF4D}"/>
               </a:ext>
             </a:extLst>
           </p:cNvPr>
@@ -2411,7 +2411,7 @@
           <p:cNvPr id="7" name="Slide Number Placeholder 6">
             <a:extLst>
               <a:ext uri="{FF2B5EF4-FFF2-40B4-BE49-F238E27FC236}">
-                <a16:creationId xmlns:a16="http://schemas.microsoft.com/office/drawing/2014/main" id="{765A37B5-E01F-8866-C31C-3278D5D57C98}"/>
+                <a16:creationId xmlns:a16="http://schemas.microsoft.com/office/drawing/2014/main" id="{6CB00661-51D2-C456-608D-DE68BA55F76D}"/>
               </a:ext>
             </a:extLst>
           </p:cNvPr>
@@ -2427,7 +2427,7 @@
           <a:bodyPr/>
           <a:lstStyle/>
           <a:p>
-            <a:fld id="{7B5BB846-8F45-4504-BDC0-0F7BC707794B}" type="slidenum">
+            <a:fld id="{293BD125-DD38-418A-A204-5D12BE25F40D}" type="slidenum">
               <a:rPr lang="en-US" smtClean="0"/>
               <a:t>‹#›</a:t>
             </a:fld>
@@ -2438,7 +2438,7 @@
     </p:spTree>
     <p:extLst>
       <p:ext uri="{BB962C8B-B14F-4D97-AF65-F5344CB8AC3E}">
-        <p14:creationId xmlns:p14="http://schemas.microsoft.com/office/powerpoint/2010/main" val="2580061190"/>
+        <p14:creationId xmlns:p14="http://schemas.microsoft.com/office/powerpoint/2010/main" val="2077666569"/>
       </p:ext>
     </p:extLst>
   </p:cSld>
@@ -2470,7 +2470,7 @@
           <p:cNvPr id="2" name="Title 1">
             <a:extLst>
               <a:ext uri="{FF2B5EF4-FFF2-40B4-BE49-F238E27FC236}">
-                <a16:creationId xmlns:a16="http://schemas.microsoft.com/office/drawing/2014/main" id="{5FAA926D-E3F0-1FD2-7064-35452BAFF260}"/>
+                <a16:creationId xmlns:a16="http://schemas.microsoft.com/office/drawing/2014/main" id="{C265C1B7-3148-F50D-6527-6C5299E2CCB0}"/>
               </a:ext>
             </a:extLst>
           </p:cNvPr>
@@ -2507,7 +2507,7 @@
           <p:cNvPr id="3" name="Picture Placeholder 2">
             <a:extLst>
               <a:ext uri="{FF2B5EF4-FFF2-40B4-BE49-F238E27FC236}">
-                <a16:creationId xmlns:a16="http://schemas.microsoft.com/office/drawing/2014/main" id="{3B7FFABF-BE53-5BE3-0CD0-B41A38E74771}"/>
+                <a16:creationId xmlns:a16="http://schemas.microsoft.com/office/drawing/2014/main" id="{E92D2996-CD66-4506-C56E-EA02E84F2346}"/>
               </a:ext>
             </a:extLst>
           </p:cNvPr>
@@ -2574,7 +2574,7 @@
           <p:cNvPr id="4" name="Text Placeholder 3">
             <a:extLst>
               <a:ext uri="{FF2B5EF4-FFF2-40B4-BE49-F238E27FC236}">
-                <a16:creationId xmlns:a16="http://schemas.microsoft.com/office/drawing/2014/main" id="{EE0CE765-5890-A65A-143D-046EAA1DE993}"/>
+                <a16:creationId xmlns:a16="http://schemas.microsoft.com/office/drawing/2014/main" id="{E713E3E7-5F23-7D40-208E-54053D0F5D87}"/>
               </a:ext>
             </a:extLst>
           </p:cNvPr>
@@ -2645,7 +2645,7 @@
           <p:cNvPr id="5" name="Date Placeholder 4">
             <a:extLst>
               <a:ext uri="{FF2B5EF4-FFF2-40B4-BE49-F238E27FC236}">
-                <a16:creationId xmlns:a16="http://schemas.microsoft.com/office/drawing/2014/main" id="{DA3FC531-30DF-8F7F-AD01-AA62C90B2030}"/>
+                <a16:creationId xmlns:a16="http://schemas.microsoft.com/office/drawing/2014/main" id="{C4F12331-A7D9-F71F-9429-D4FFE2DD4457}"/>
               </a:ext>
             </a:extLst>
           </p:cNvPr>
@@ -2661,7 +2661,7 @@
           <a:bodyPr/>
           <a:lstStyle/>
           <a:p>
-            <a:fld id="{14B025BC-CC6C-43BD-9371-5F9D36C840BD}" type="datetimeFigureOut">
+            <a:fld id="{E62F4E31-0D0B-4847-82BC-E02D73BAD81B}" type="datetimeFigureOut">
               <a:rPr lang="en-US" smtClean="0"/>
               <a:t>8/24/2024</a:t>
             </a:fld>
@@ -2674,7 +2674,7 @@
           <p:cNvPr id="6" name="Footer Placeholder 5">
             <a:extLst>
               <a:ext uri="{FF2B5EF4-FFF2-40B4-BE49-F238E27FC236}">
-                <a16:creationId xmlns:a16="http://schemas.microsoft.com/office/drawing/2014/main" id="{E9372618-A45D-EF83-7002-4173B52371AB}"/>
+                <a16:creationId xmlns:a16="http://schemas.microsoft.com/office/drawing/2014/main" id="{C65E05EF-8062-C023-D606-711EAB591497}"/>
               </a:ext>
             </a:extLst>
           </p:cNvPr>
@@ -2699,7 +2699,7 @@
           <p:cNvPr id="7" name="Slide Number Placeholder 6">
             <a:extLst>
               <a:ext uri="{FF2B5EF4-FFF2-40B4-BE49-F238E27FC236}">
-                <a16:creationId xmlns:a16="http://schemas.microsoft.com/office/drawing/2014/main" id="{F5F8AA1B-052A-1CED-0A97-9F97410EE74E}"/>
+                <a16:creationId xmlns:a16="http://schemas.microsoft.com/office/drawing/2014/main" id="{D4D3D8B1-19FB-AEED-6AC0-08318A9DEE6A}"/>
               </a:ext>
             </a:extLst>
           </p:cNvPr>
@@ -2715,7 +2715,7 @@
           <a:bodyPr/>
           <a:lstStyle/>
           <a:p>
-            <a:fld id="{7B5BB846-8F45-4504-BDC0-0F7BC707794B}" type="slidenum">
+            <a:fld id="{293BD125-DD38-418A-A204-5D12BE25F40D}" type="slidenum">
               <a:rPr lang="en-US" smtClean="0"/>
               <a:t>‹#›</a:t>
             </a:fld>
@@ -2726,7 +2726,7 @@
     </p:spTree>
     <p:extLst>
       <p:ext uri="{BB962C8B-B14F-4D97-AF65-F5344CB8AC3E}">
-        <p14:creationId xmlns:p14="http://schemas.microsoft.com/office/powerpoint/2010/main" val="2461773378"/>
+        <p14:creationId xmlns:p14="http://schemas.microsoft.com/office/powerpoint/2010/main" val="1288615319"/>
       </p:ext>
     </p:extLst>
   </p:cSld>
@@ -2763,7 +2763,7 @@
           <p:cNvPr id="2" name="Title Placeholder 1">
             <a:extLst>
               <a:ext uri="{FF2B5EF4-FFF2-40B4-BE49-F238E27FC236}">
-                <a16:creationId xmlns:a16="http://schemas.microsoft.com/office/drawing/2014/main" id="{35E1162F-9046-E5AB-DD73-91D5AE9F8AFF}"/>
+                <a16:creationId xmlns:a16="http://schemas.microsoft.com/office/drawing/2014/main" id="{48CD680C-0EF6-0D4D-ADEA-355204F740EC}"/>
               </a:ext>
             </a:extLst>
           </p:cNvPr>
@@ -2801,7 +2801,7 @@
           <p:cNvPr id="3" name="Text Placeholder 2">
             <a:extLst>
               <a:ext uri="{FF2B5EF4-FFF2-40B4-BE49-F238E27FC236}">
-                <a16:creationId xmlns:a16="http://schemas.microsoft.com/office/drawing/2014/main" id="{1DF3129F-D15C-86F2-674E-FC60F80A41CF}"/>
+                <a16:creationId xmlns:a16="http://schemas.microsoft.com/office/drawing/2014/main" id="{04F4D6C6-3CFD-DB9A-0108-20FB449449C8}"/>
               </a:ext>
             </a:extLst>
           </p:cNvPr>
@@ -2868,7 +2868,7 @@
           <p:cNvPr id="4" name="Date Placeholder 3">
             <a:extLst>
               <a:ext uri="{FF2B5EF4-FFF2-40B4-BE49-F238E27FC236}">
-                <a16:creationId xmlns:a16="http://schemas.microsoft.com/office/drawing/2014/main" id="{8C024A6B-6AA2-2FE7-5D51-D6CFFB09F66C}"/>
+                <a16:creationId xmlns:a16="http://schemas.microsoft.com/office/drawing/2014/main" id="{9C79986A-AE14-A22A-EDC5-0C502731CAB8}"/>
               </a:ext>
             </a:extLst>
           </p:cNvPr>
@@ -2902,7 +2902,7 @@
             </a:lvl1pPr>
           </a:lstStyle>
           <a:p>
-            <a:fld id="{14B025BC-CC6C-43BD-9371-5F9D36C840BD}" type="datetimeFigureOut">
+            <a:fld id="{E62F4E31-0D0B-4847-82BC-E02D73BAD81B}" type="datetimeFigureOut">
               <a:rPr lang="en-US" smtClean="0"/>
               <a:t>8/24/2024</a:t>
             </a:fld>
@@ -2915,7 +2915,7 @@
           <p:cNvPr id="5" name="Footer Placeholder 4">
             <a:extLst>
               <a:ext uri="{FF2B5EF4-FFF2-40B4-BE49-F238E27FC236}">
-                <a16:creationId xmlns:a16="http://schemas.microsoft.com/office/drawing/2014/main" id="{06025045-FACA-EFC6-B920-AD1C58D7F7D1}"/>
+                <a16:creationId xmlns:a16="http://schemas.microsoft.com/office/drawing/2014/main" id="{6589EB36-BB59-D8B7-F6F2-275BC23E0374}"/>
               </a:ext>
             </a:extLst>
           </p:cNvPr>
@@ -2958,7 +2958,7 @@
           <p:cNvPr id="6" name="Slide Number Placeholder 5">
             <a:extLst>
               <a:ext uri="{FF2B5EF4-FFF2-40B4-BE49-F238E27FC236}">
-                <a16:creationId xmlns:a16="http://schemas.microsoft.com/office/drawing/2014/main" id="{EBBFF5E6-8EEE-3E39-126C-7D625243FD2D}"/>
+                <a16:creationId xmlns:a16="http://schemas.microsoft.com/office/drawing/2014/main" id="{6B640A5F-16DD-046A-4F75-2C91612C76FB}"/>
               </a:ext>
             </a:extLst>
           </p:cNvPr>
@@ -2992,7 +2992,7 @@
             </a:lvl1pPr>
           </a:lstStyle>
           <a:p>
-            <a:fld id="{7B5BB846-8F45-4504-BDC0-0F7BC707794B}" type="slidenum">
+            <a:fld id="{293BD125-DD38-418A-A204-5D12BE25F40D}" type="slidenum">
               <a:rPr lang="en-US" smtClean="0"/>
               <a:t>‹#›</a:t>
             </a:fld>
@@ -3003,7 +3003,7 @@
     </p:spTree>
     <p:extLst>
       <p:ext uri="{BB962C8B-B14F-4D97-AF65-F5344CB8AC3E}">
-        <p14:creationId xmlns:p14="http://schemas.microsoft.com/office/powerpoint/2010/main" val="1790717836"/>
+        <p14:creationId xmlns:p14="http://schemas.microsoft.com/office/powerpoint/2010/main" val="1839662094"/>
       </p:ext>
     </p:extLst>
   </p:cSld>
@@ -3326,7 +3326,7 @@
           <p:cNvPr id="2" name="ImagePlaceholder">
             <a:extLst>
               <a:ext uri="{FF2B5EF4-FFF2-40B4-BE49-F238E27FC236}">
-                <a16:creationId xmlns:a16="http://schemas.microsoft.com/office/drawing/2014/main" id="{84F2B5B1-95AB-ED13-C853-7C67E57E7571}"/>
+                <a16:creationId xmlns:a16="http://schemas.microsoft.com/office/drawing/2014/main" id="{95712DFD-68EF-4E51-D14F-C996D6E38FD6}"/>
               </a:ext>
             </a:extLst>
           </p:cNvPr>
@@ -3394,7 +3394,7 @@
           <p:cNvPr id="3" name="CollectionTitle">
             <a:extLst>
               <a:ext uri="{FF2B5EF4-FFF2-40B4-BE49-F238E27FC236}">
-                <a16:creationId xmlns:a16="http://schemas.microsoft.com/office/drawing/2014/main" id="{A1F1D96F-56E9-9BF4-F6C5-67760C5487E7}"/>
+                <a16:creationId xmlns:a16="http://schemas.microsoft.com/office/drawing/2014/main" id="{4DAA7218-B307-291D-1D4E-92F753F42857}"/>
               </a:ext>
             </a:extLst>
           </p:cNvPr>
@@ -3439,7 +3439,7 @@
           <p:cNvPr id="5" name="TitleBox">
             <a:extLst>
               <a:ext uri="{FF2B5EF4-FFF2-40B4-BE49-F238E27FC236}">
-                <a16:creationId xmlns:a16="http://schemas.microsoft.com/office/drawing/2014/main" id="{3B46AF4E-394D-7CC9-B8BA-BEE0EEB7081A}"/>
+                <a16:creationId xmlns:a16="http://schemas.microsoft.com/office/drawing/2014/main" id="{C96E1AB8-D0F3-C263-66EB-7F17F4381B7F}"/>
               </a:ext>
             </a:extLst>
           </p:cNvPr>
@@ -3484,7 +3484,7 @@
           <p:cNvPr id="6" name="SubtitleBox">
             <a:extLst>
               <a:ext uri="{FF2B5EF4-FFF2-40B4-BE49-F238E27FC236}">
-                <a16:creationId xmlns:a16="http://schemas.microsoft.com/office/drawing/2014/main" id="{07154A6A-FBF1-5DF2-C7A4-F69E2BA11AE5}"/>
+                <a16:creationId xmlns:a16="http://schemas.microsoft.com/office/drawing/2014/main" id="{370DA430-BDB7-2B9D-B47B-EA40A4683547}"/>
               </a:ext>
             </a:extLst>
           </p:cNvPr>
@@ -3524,7 +3524,7 @@
           <p:cNvPr id="7" name="Timestamp1">
             <a:extLst>
               <a:ext uri="{FF2B5EF4-FFF2-40B4-BE49-F238E27FC236}">
-                <a16:creationId xmlns:a16="http://schemas.microsoft.com/office/drawing/2014/main" id="{483AA9AA-47CF-174A-128B-9BB713C4D699}"/>
+                <a16:creationId xmlns:a16="http://schemas.microsoft.com/office/drawing/2014/main" id="{AC7EE2AC-ABD1-0BC2-CB17-F950FDBB03B9}"/>
               </a:ext>
             </a:extLst>
           </p:cNvPr>
@@ -3569,7 +3569,7 @@
           <p:cNvPr id="8" name="Timestamp2">
             <a:extLst>
               <a:ext uri="{FF2B5EF4-FFF2-40B4-BE49-F238E27FC236}">
-                <a16:creationId xmlns:a16="http://schemas.microsoft.com/office/drawing/2014/main" id="{9DBDA296-8C37-1CFC-6EA2-8B21F6E6192D}"/>
+                <a16:creationId xmlns:a16="http://schemas.microsoft.com/office/drawing/2014/main" id="{5BD417DE-E248-E435-B10A-2774994A529D}"/>
               </a:ext>
             </a:extLst>
           </p:cNvPr>
@@ -3614,7 +3614,7 @@
           <p:cNvPr id="9" name="Timestamp3">
             <a:extLst>
               <a:ext uri="{FF2B5EF4-FFF2-40B4-BE49-F238E27FC236}">
-                <a16:creationId xmlns:a16="http://schemas.microsoft.com/office/drawing/2014/main" id="{5DCF252A-D3C5-A404-46F5-77A354827192}"/>
+                <a16:creationId xmlns:a16="http://schemas.microsoft.com/office/drawing/2014/main" id="{D263E783-7D3F-F456-539A-869D42F7DCDA}"/>
               </a:ext>
             </a:extLst>
           </p:cNvPr>
@@ -3659,7 +3659,7 @@
           <p:cNvPr id="10" name="Timestamp4">
             <a:extLst>
               <a:ext uri="{FF2B5EF4-FFF2-40B4-BE49-F238E27FC236}">
-                <a16:creationId xmlns:a16="http://schemas.microsoft.com/office/drawing/2014/main" id="{3C82BD59-42D9-163C-B50E-7BF649161BED}"/>
+                <a16:creationId xmlns:a16="http://schemas.microsoft.com/office/drawing/2014/main" id="{4977610F-1EFE-D796-8FFE-CD17972C3F2D}"/>
               </a:ext>
             </a:extLst>
           </p:cNvPr>
@@ -3704,7 +3704,7 @@
           <p:cNvPr id="11" name="Timestamp5">
             <a:extLst>
               <a:ext uri="{FF2B5EF4-FFF2-40B4-BE49-F238E27FC236}">
-                <a16:creationId xmlns:a16="http://schemas.microsoft.com/office/drawing/2014/main" id="{C0AB169B-878F-ACA9-60E0-746D13A5DA7B}"/>
+                <a16:creationId xmlns:a16="http://schemas.microsoft.com/office/drawing/2014/main" id="{D4292374-374B-00ED-CCE0-EA80822E9AA2}"/>
               </a:ext>
             </a:extLst>
           </p:cNvPr>
@@ -3747,14 +3747,14 @@
     </p:spTree>
     <p:extLst>
       <p:ext uri="{BB962C8B-B14F-4D97-AF65-F5344CB8AC3E}">
-        <p14:creationId xmlns:p14="http://schemas.microsoft.com/office/powerpoint/2010/main" val="2696471830"/>
+        <p14:creationId xmlns:p14="http://schemas.microsoft.com/office/powerpoint/2010/main" val="187909255"/>
       </p:ext>
     </p:extLst>
   </p:cSld>
   <p:clrMapOvr>
     <a:masterClrMapping/>
   </p:clrMapOvr>
-  <p:transition spd="slow" advTm="7500"/>
+  <p:transition spd="slow" advTm="11500"/>
   <p:timing>
     <p:tnLst>
       <p:par>

--- a/PythonBatchTools/BatchVideoIntros/intro_test.pptx
+++ b/PythonBatchTools/BatchVideoIntros/intro_test.pptx
@@ -129,7 +129,7 @@
           <p:cNvPr id="2" name="Title 1">
             <a:extLst>
               <a:ext uri="{FF2B5EF4-FFF2-40B4-BE49-F238E27FC236}">
-                <a16:creationId xmlns:a16="http://schemas.microsoft.com/office/drawing/2014/main" id="{CE784B2B-8B30-E6F0-94CF-0CA99C06420F}"/>
+                <a16:creationId xmlns:a16="http://schemas.microsoft.com/office/drawing/2014/main" id="{04A45587-758F-43CE-FF29-38E72F3307F5}"/>
               </a:ext>
             </a:extLst>
           </p:cNvPr>
@@ -166,7 +166,7 @@
           <p:cNvPr id="3" name="Subtitle 2">
             <a:extLst>
               <a:ext uri="{FF2B5EF4-FFF2-40B4-BE49-F238E27FC236}">
-                <a16:creationId xmlns:a16="http://schemas.microsoft.com/office/drawing/2014/main" id="{7B404B4D-5207-A9F1-8ACA-F6BCD8F61180}"/>
+                <a16:creationId xmlns:a16="http://schemas.microsoft.com/office/drawing/2014/main" id="{AFFBCE5B-627E-7C13-B0DC-7CE56A5F8AD2}"/>
               </a:ext>
             </a:extLst>
           </p:cNvPr>
@@ -236,7 +236,7 @@
           <p:cNvPr id="4" name="Date Placeholder 3">
             <a:extLst>
               <a:ext uri="{FF2B5EF4-FFF2-40B4-BE49-F238E27FC236}">
-                <a16:creationId xmlns:a16="http://schemas.microsoft.com/office/drawing/2014/main" id="{4A2D8C45-2F4E-9696-52B4-4B0E27ABA541}"/>
+                <a16:creationId xmlns:a16="http://schemas.microsoft.com/office/drawing/2014/main" id="{08D89C6D-C2D3-633B-A5DB-CB010DD0A96E}"/>
               </a:ext>
             </a:extLst>
           </p:cNvPr>
@@ -252,7 +252,7 @@
           <a:bodyPr/>
           <a:lstStyle/>
           <a:p>
-            <a:fld id="{E62F4E31-0D0B-4847-82BC-E02D73BAD81B}" type="datetimeFigureOut">
+            <a:fld id="{5050D7C0-3D7F-4E2B-9A48-99F0294D6037}" type="datetimeFigureOut">
               <a:rPr lang="en-US" smtClean="0"/>
               <a:t>8/24/2024</a:t>
             </a:fld>
@@ -265,7 +265,7 @@
           <p:cNvPr id="5" name="Footer Placeholder 4">
             <a:extLst>
               <a:ext uri="{FF2B5EF4-FFF2-40B4-BE49-F238E27FC236}">
-                <a16:creationId xmlns:a16="http://schemas.microsoft.com/office/drawing/2014/main" id="{6B593540-7EE8-E387-95FF-5CFA9433FB6E}"/>
+                <a16:creationId xmlns:a16="http://schemas.microsoft.com/office/drawing/2014/main" id="{1D392E1F-BCD8-3758-2A22-D69B3980D07A}"/>
               </a:ext>
             </a:extLst>
           </p:cNvPr>
@@ -290,7 +290,7 @@
           <p:cNvPr id="6" name="Slide Number Placeholder 5">
             <a:extLst>
               <a:ext uri="{FF2B5EF4-FFF2-40B4-BE49-F238E27FC236}">
-                <a16:creationId xmlns:a16="http://schemas.microsoft.com/office/drawing/2014/main" id="{FB708C93-B991-5C0B-76C2-F8AD368AA959}"/>
+                <a16:creationId xmlns:a16="http://schemas.microsoft.com/office/drawing/2014/main" id="{C640FF87-2B14-E5D5-504E-0B186C55E19F}"/>
               </a:ext>
             </a:extLst>
           </p:cNvPr>
@@ -306,7 +306,7 @@
           <a:bodyPr/>
           <a:lstStyle/>
           <a:p>
-            <a:fld id="{293BD125-DD38-418A-A204-5D12BE25F40D}" type="slidenum">
+            <a:fld id="{5F0B4CFA-AF48-46DA-9ACF-8BC8866962B0}" type="slidenum">
               <a:rPr lang="en-US" smtClean="0"/>
               <a:t>‹#›</a:t>
             </a:fld>
@@ -317,7 +317,7 @@
     </p:spTree>
     <p:extLst>
       <p:ext uri="{BB962C8B-B14F-4D97-AF65-F5344CB8AC3E}">
-        <p14:creationId xmlns:p14="http://schemas.microsoft.com/office/powerpoint/2010/main" val="1558909653"/>
+        <p14:creationId xmlns:p14="http://schemas.microsoft.com/office/powerpoint/2010/main" val="3362201188"/>
       </p:ext>
     </p:extLst>
   </p:cSld>
@@ -349,7 +349,7 @@
           <p:cNvPr id="2" name="Title 1">
             <a:extLst>
               <a:ext uri="{FF2B5EF4-FFF2-40B4-BE49-F238E27FC236}">
-                <a16:creationId xmlns:a16="http://schemas.microsoft.com/office/drawing/2014/main" id="{7AB96062-BC07-FF2C-F35C-A39D3538AB23}"/>
+                <a16:creationId xmlns:a16="http://schemas.microsoft.com/office/drawing/2014/main" id="{E13BBC9E-956F-FBC7-D6FF-A2664683CA82}"/>
               </a:ext>
             </a:extLst>
           </p:cNvPr>
@@ -377,7 +377,7 @@
           <p:cNvPr id="3" name="Vertical Text Placeholder 2">
             <a:extLst>
               <a:ext uri="{FF2B5EF4-FFF2-40B4-BE49-F238E27FC236}">
-                <a16:creationId xmlns:a16="http://schemas.microsoft.com/office/drawing/2014/main" id="{9C618FE6-4816-9456-289B-4DFE8C308842}"/>
+                <a16:creationId xmlns:a16="http://schemas.microsoft.com/office/drawing/2014/main" id="{F29F9AC7-9EF4-506F-8E90-7A9A08A41FA4}"/>
               </a:ext>
             </a:extLst>
           </p:cNvPr>
@@ -434,7 +434,7 @@
           <p:cNvPr id="4" name="Date Placeholder 3">
             <a:extLst>
               <a:ext uri="{FF2B5EF4-FFF2-40B4-BE49-F238E27FC236}">
-                <a16:creationId xmlns:a16="http://schemas.microsoft.com/office/drawing/2014/main" id="{575B47F8-B07F-068C-DC39-3E9AA0F1358A}"/>
+                <a16:creationId xmlns:a16="http://schemas.microsoft.com/office/drawing/2014/main" id="{9B0F28FE-F883-1D56-6729-D54A951BAE87}"/>
               </a:ext>
             </a:extLst>
           </p:cNvPr>
@@ -450,7 +450,7 @@
           <a:bodyPr/>
           <a:lstStyle/>
           <a:p>
-            <a:fld id="{E62F4E31-0D0B-4847-82BC-E02D73BAD81B}" type="datetimeFigureOut">
+            <a:fld id="{5050D7C0-3D7F-4E2B-9A48-99F0294D6037}" type="datetimeFigureOut">
               <a:rPr lang="en-US" smtClean="0"/>
               <a:t>8/24/2024</a:t>
             </a:fld>
@@ -463,7 +463,7 @@
           <p:cNvPr id="5" name="Footer Placeholder 4">
             <a:extLst>
               <a:ext uri="{FF2B5EF4-FFF2-40B4-BE49-F238E27FC236}">
-                <a16:creationId xmlns:a16="http://schemas.microsoft.com/office/drawing/2014/main" id="{8524C056-33E6-B90B-D69E-5C0503754073}"/>
+                <a16:creationId xmlns:a16="http://schemas.microsoft.com/office/drawing/2014/main" id="{00BF0494-DD36-CEB5-B102-EEDB0FF27320}"/>
               </a:ext>
             </a:extLst>
           </p:cNvPr>
@@ -488,7 +488,7 @@
           <p:cNvPr id="6" name="Slide Number Placeholder 5">
             <a:extLst>
               <a:ext uri="{FF2B5EF4-FFF2-40B4-BE49-F238E27FC236}">
-                <a16:creationId xmlns:a16="http://schemas.microsoft.com/office/drawing/2014/main" id="{D89A1B2C-B5F9-4C33-2ADF-882D7F697369}"/>
+                <a16:creationId xmlns:a16="http://schemas.microsoft.com/office/drawing/2014/main" id="{6F69EE71-939E-F741-3860-D420312C3AD1}"/>
               </a:ext>
             </a:extLst>
           </p:cNvPr>
@@ -504,7 +504,7 @@
           <a:bodyPr/>
           <a:lstStyle/>
           <a:p>
-            <a:fld id="{293BD125-DD38-418A-A204-5D12BE25F40D}" type="slidenum">
+            <a:fld id="{5F0B4CFA-AF48-46DA-9ACF-8BC8866962B0}" type="slidenum">
               <a:rPr lang="en-US" smtClean="0"/>
               <a:t>‹#›</a:t>
             </a:fld>
@@ -515,7 +515,7 @@
     </p:spTree>
     <p:extLst>
       <p:ext uri="{BB962C8B-B14F-4D97-AF65-F5344CB8AC3E}">
-        <p14:creationId xmlns:p14="http://schemas.microsoft.com/office/powerpoint/2010/main" val="2140166220"/>
+        <p14:creationId xmlns:p14="http://schemas.microsoft.com/office/powerpoint/2010/main" val="3565777676"/>
       </p:ext>
     </p:extLst>
   </p:cSld>
@@ -547,7 +547,7 @@
           <p:cNvPr id="2" name="Vertical Title 1">
             <a:extLst>
               <a:ext uri="{FF2B5EF4-FFF2-40B4-BE49-F238E27FC236}">
-                <a16:creationId xmlns:a16="http://schemas.microsoft.com/office/drawing/2014/main" id="{18ABF130-873E-9557-BD1C-7FD6F13E2506}"/>
+                <a16:creationId xmlns:a16="http://schemas.microsoft.com/office/drawing/2014/main" id="{636905AB-40A8-E04C-4BF9-4EDA85CD179A}"/>
               </a:ext>
             </a:extLst>
           </p:cNvPr>
@@ -580,7 +580,7 @@
           <p:cNvPr id="3" name="Vertical Text Placeholder 2">
             <a:extLst>
               <a:ext uri="{FF2B5EF4-FFF2-40B4-BE49-F238E27FC236}">
-                <a16:creationId xmlns:a16="http://schemas.microsoft.com/office/drawing/2014/main" id="{91F16A99-119C-74D4-7DA7-9FBD79636A52}"/>
+                <a16:creationId xmlns:a16="http://schemas.microsoft.com/office/drawing/2014/main" id="{1CE06FDD-7A8E-5E36-A171-4F6DDE29CFB4}"/>
               </a:ext>
             </a:extLst>
           </p:cNvPr>
@@ -642,7 +642,7 @@
           <p:cNvPr id="4" name="Date Placeholder 3">
             <a:extLst>
               <a:ext uri="{FF2B5EF4-FFF2-40B4-BE49-F238E27FC236}">
-                <a16:creationId xmlns:a16="http://schemas.microsoft.com/office/drawing/2014/main" id="{F1F6DF26-2C77-6A98-CD9B-5D731C1D4A6E}"/>
+                <a16:creationId xmlns:a16="http://schemas.microsoft.com/office/drawing/2014/main" id="{B01C69C6-8BDA-CAB6-7D4D-E0735728C8B9}"/>
               </a:ext>
             </a:extLst>
           </p:cNvPr>
@@ -658,7 +658,7 @@
           <a:bodyPr/>
           <a:lstStyle/>
           <a:p>
-            <a:fld id="{E62F4E31-0D0B-4847-82BC-E02D73BAD81B}" type="datetimeFigureOut">
+            <a:fld id="{5050D7C0-3D7F-4E2B-9A48-99F0294D6037}" type="datetimeFigureOut">
               <a:rPr lang="en-US" smtClean="0"/>
               <a:t>8/24/2024</a:t>
             </a:fld>
@@ -671,7 +671,7 @@
           <p:cNvPr id="5" name="Footer Placeholder 4">
             <a:extLst>
               <a:ext uri="{FF2B5EF4-FFF2-40B4-BE49-F238E27FC236}">
-                <a16:creationId xmlns:a16="http://schemas.microsoft.com/office/drawing/2014/main" id="{74A3D0FD-6841-1AF5-9762-F34716BF1481}"/>
+                <a16:creationId xmlns:a16="http://schemas.microsoft.com/office/drawing/2014/main" id="{C4657B50-4AE9-0A02-CBF8-DD3D88AAA45C}"/>
               </a:ext>
             </a:extLst>
           </p:cNvPr>
@@ -696,7 +696,7 @@
           <p:cNvPr id="6" name="Slide Number Placeholder 5">
             <a:extLst>
               <a:ext uri="{FF2B5EF4-FFF2-40B4-BE49-F238E27FC236}">
-                <a16:creationId xmlns:a16="http://schemas.microsoft.com/office/drawing/2014/main" id="{6A0847F9-23B6-BEFB-4E33-998F8DF43B40}"/>
+                <a16:creationId xmlns:a16="http://schemas.microsoft.com/office/drawing/2014/main" id="{7B0DA345-EB88-7F3D-75FA-5E6BFDB2CCE9}"/>
               </a:ext>
             </a:extLst>
           </p:cNvPr>
@@ -712,7 +712,7 @@
           <a:bodyPr/>
           <a:lstStyle/>
           <a:p>
-            <a:fld id="{293BD125-DD38-418A-A204-5D12BE25F40D}" type="slidenum">
+            <a:fld id="{5F0B4CFA-AF48-46DA-9ACF-8BC8866962B0}" type="slidenum">
               <a:rPr lang="en-US" smtClean="0"/>
               <a:t>‹#›</a:t>
             </a:fld>
@@ -723,7 +723,7 @@
     </p:spTree>
     <p:extLst>
       <p:ext uri="{BB962C8B-B14F-4D97-AF65-F5344CB8AC3E}">
-        <p14:creationId xmlns:p14="http://schemas.microsoft.com/office/powerpoint/2010/main" val="3806131218"/>
+        <p14:creationId xmlns:p14="http://schemas.microsoft.com/office/powerpoint/2010/main" val="875122535"/>
       </p:ext>
     </p:extLst>
   </p:cSld>
@@ -755,7 +755,7 @@
           <p:cNvPr id="2" name="Title 1">
             <a:extLst>
               <a:ext uri="{FF2B5EF4-FFF2-40B4-BE49-F238E27FC236}">
-                <a16:creationId xmlns:a16="http://schemas.microsoft.com/office/drawing/2014/main" id="{321AE58F-15C4-1FFE-7A50-3E94F502A1CA}"/>
+                <a16:creationId xmlns:a16="http://schemas.microsoft.com/office/drawing/2014/main" id="{0EA7B4E8-E7EF-A6D3-9152-32D324F3B667}"/>
               </a:ext>
             </a:extLst>
           </p:cNvPr>
@@ -783,7 +783,7 @@
           <p:cNvPr id="3" name="Content Placeholder 2">
             <a:extLst>
               <a:ext uri="{FF2B5EF4-FFF2-40B4-BE49-F238E27FC236}">
-                <a16:creationId xmlns:a16="http://schemas.microsoft.com/office/drawing/2014/main" id="{73440906-B812-D29B-4035-853D9600ED1F}"/>
+                <a16:creationId xmlns:a16="http://schemas.microsoft.com/office/drawing/2014/main" id="{71D31D86-7DDE-FF37-8A0A-87BED5C957B6}"/>
               </a:ext>
             </a:extLst>
           </p:cNvPr>
@@ -840,7 +840,7 @@
           <p:cNvPr id="4" name="Date Placeholder 3">
             <a:extLst>
               <a:ext uri="{FF2B5EF4-FFF2-40B4-BE49-F238E27FC236}">
-                <a16:creationId xmlns:a16="http://schemas.microsoft.com/office/drawing/2014/main" id="{047F9FF8-CA5B-D940-E0A4-FD25B81DF2AD}"/>
+                <a16:creationId xmlns:a16="http://schemas.microsoft.com/office/drawing/2014/main" id="{24DF47B0-B374-7883-207F-16DF1E8C5ACB}"/>
               </a:ext>
             </a:extLst>
           </p:cNvPr>
@@ -856,7 +856,7 @@
           <a:bodyPr/>
           <a:lstStyle/>
           <a:p>
-            <a:fld id="{E62F4E31-0D0B-4847-82BC-E02D73BAD81B}" type="datetimeFigureOut">
+            <a:fld id="{5050D7C0-3D7F-4E2B-9A48-99F0294D6037}" type="datetimeFigureOut">
               <a:rPr lang="en-US" smtClean="0"/>
               <a:t>8/24/2024</a:t>
             </a:fld>
@@ -869,7 +869,7 @@
           <p:cNvPr id="5" name="Footer Placeholder 4">
             <a:extLst>
               <a:ext uri="{FF2B5EF4-FFF2-40B4-BE49-F238E27FC236}">
-                <a16:creationId xmlns:a16="http://schemas.microsoft.com/office/drawing/2014/main" id="{9CD8D180-629C-8E88-5764-95C6E75CA3BB}"/>
+                <a16:creationId xmlns:a16="http://schemas.microsoft.com/office/drawing/2014/main" id="{8463671A-4326-D9A9-E2E3-EC81EC3142D1}"/>
               </a:ext>
             </a:extLst>
           </p:cNvPr>
@@ -894,7 +894,7 @@
           <p:cNvPr id="6" name="Slide Number Placeholder 5">
             <a:extLst>
               <a:ext uri="{FF2B5EF4-FFF2-40B4-BE49-F238E27FC236}">
-                <a16:creationId xmlns:a16="http://schemas.microsoft.com/office/drawing/2014/main" id="{0DFEE4F9-F9F8-424F-8EDD-EAB4A0738974}"/>
+                <a16:creationId xmlns:a16="http://schemas.microsoft.com/office/drawing/2014/main" id="{FE36999D-C4AA-E803-3FE5-E78DC6C8FA7F}"/>
               </a:ext>
             </a:extLst>
           </p:cNvPr>
@@ -910,7 +910,7 @@
           <a:bodyPr/>
           <a:lstStyle/>
           <a:p>
-            <a:fld id="{293BD125-DD38-418A-A204-5D12BE25F40D}" type="slidenum">
+            <a:fld id="{5F0B4CFA-AF48-46DA-9ACF-8BC8866962B0}" type="slidenum">
               <a:rPr lang="en-US" smtClean="0"/>
               <a:t>‹#›</a:t>
             </a:fld>
@@ -921,7 +921,7 @@
     </p:spTree>
     <p:extLst>
       <p:ext uri="{BB962C8B-B14F-4D97-AF65-F5344CB8AC3E}">
-        <p14:creationId xmlns:p14="http://schemas.microsoft.com/office/powerpoint/2010/main" val="2645156754"/>
+        <p14:creationId xmlns:p14="http://schemas.microsoft.com/office/powerpoint/2010/main" val="1311677095"/>
       </p:ext>
     </p:extLst>
   </p:cSld>
@@ -953,7 +953,7 @@
           <p:cNvPr id="2" name="Title 1">
             <a:extLst>
               <a:ext uri="{FF2B5EF4-FFF2-40B4-BE49-F238E27FC236}">
-                <a16:creationId xmlns:a16="http://schemas.microsoft.com/office/drawing/2014/main" id="{6D029063-BFC8-2EFF-E37B-73CF6FE92673}"/>
+                <a16:creationId xmlns:a16="http://schemas.microsoft.com/office/drawing/2014/main" id="{1A610BA7-0945-50C6-AD8F-BF91B13B363E}"/>
               </a:ext>
             </a:extLst>
           </p:cNvPr>
@@ -990,7 +990,7 @@
           <p:cNvPr id="3" name="Text Placeholder 2">
             <a:extLst>
               <a:ext uri="{FF2B5EF4-FFF2-40B4-BE49-F238E27FC236}">
-                <a16:creationId xmlns:a16="http://schemas.microsoft.com/office/drawing/2014/main" id="{5B48FFC2-59B5-80E2-E063-21161FF23EBC}"/>
+                <a16:creationId xmlns:a16="http://schemas.microsoft.com/office/drawing/2014/main" id="{105A4C03-4855-02D2-5D0D-70D1B7F31383}"/>
               </a:ext>
             </a:extLst>
           </p:cNvPr>
@@ -1115,7 +1115,7 @@
           <p:cNvPr id="4" name="Date Placeholder 3">
             <a:extLst>
               <a:ext uri="{FF2B5EF4-FFF2-40B4-BE49-F238E27FC236}">
-                <a16:creationId xmlns:a16="http://schemas.microsoft.com/office/drawing/2014/main" id="{5C3533FF-D9BC-58D0-5276-D79861619009}"/>
+                <a16:creationId xmlns:a16="http://schemas.microsoft.com/office/drawing/2014/main" id="{30738C46-C72B-0C06-ABC1-FBE6A0159D76}"/>
               </a:ext>
             </a:extLst>
           </p:cNvPr>
@@ -1131,7 +1131,7 @@
           <a:bodyPr/>
           <a:lstStyle/>
           <a:p>
-            <a:fld id="{E62F4E31-0D0B-4847-82BC-E02D73BAD81B}" type="datetimeFigureOut">
+            <a:fld id="{5050D7C0-3D7F-4E2B-9A48-99F0294D6037}" type="datetimeFigureOut">
               <a:rPr lang="en-US" smtClean="0"/>
               <a:t>8/24/2024</a:t>
             </a:fld>
@@ -1144,7 +1144,7 @@
           <p:cNvPr id="5" name="Footer Placeholder 4">
             <a:extLst>
               <a:ext uri="{FF2B5EF4-FFF2-40B4-BE49-F238E27FC236}">
-                <a16:creationId xmlns:a16="http://schemas.microsoft.com/office/drawing/2014/main" id="{D0F78776-DE7B-84FD-044D-D66B737E35C1}"/>
+                <a16:creationId xmlns:a16="http://schemas.microsoft.com/office/drawing/2014/main" id="{C091DA26-BBA6-DE32-AE7D-364B6264E8E3}"/>
               </a:ext>
             </a:extLst>
           </p:cNvPr>
@@ -1169,7 +1169,7 @@
           <p:cNvPr id="6" name="Slide Number Placeholder 5">
             <a:extLst>
               <a:ext uri="{FF2B5EF4-FFF2-40B4-BE49-F238E27FC236}">
-                <a16:creationId xmlns:a16="http://schemas.microsoft.com/office/drawing/2014/main" id="{3A67E6FB-13DC-6CFB-91DA-08A8469934B1}"/>
+                <a16:creationId xmlns:a16="http://schemas.microsoft.com/office/drawing/2014/main" id="{3E435B61-F941-0A31-9B2B-5EA7F9F472DB}"/>
               </a:ext>
             </a:extLst>
           </p:cNvPr>
@@ -1185,7 +1185,7 @@
           <a:bodyPr/>
           <a:lstStyle/>
           <a:p>
-            <a:fld id="{293BD125-DD38-418A-A204-5D12BE25F40D}" type="slidenum">
+            <a:fld id="{5F0B4CFA-AF48-46DA-9ACF-8BC8866962B0}" type="slidenum">
               <a:rPr lang="en-US" smtClean="0"/>
               <a:t>‹#›</a:t>
             </a:fld>
@@ -1196,7 +1196,7 @@
     </p:spTree>
     <p:extLst>
       <p:ext uri="{BB962C8B-B14F-4D97-AF65-F5344CB8AC3E}">
-        <p14:creationId xmlns:p14="http://schemas.microsoft.com/office/powerpoint/2010/main" val="1274085956"/>
+        <p14:creationId xmlns:p14="http://schemas.microsoft.com/office/powerpoint/2010/main" val="374394613"/>
       </p:ext>
     </p:extLst>
   </p:cSld>
@@ -1228,7 +1228,7 @@
           <p:cNvPr id="2" name="Title 1">
             <a:extLst>
               <a:ext uri="{FF2B5EF4-FFF2-40B4-BE49-F238E27FC236}">
-                <a16:creationId xmlns:a16="http://schemas.microsoft.com/office/drawing/2014/main" id="{CFF645ED-BFD6-DBBA-E392-14F3CCA3666E}"/>
+                <a16:creationId xmlns:a16="http://schemas.microsoft.com/office/drawing/2014/main" id="{6BC62B0C-1FD8-42A9-314B-56C01AE12328}"/>
               </a:ext>
             </a:extLst>
           </p:cNvPr>
@@ -1256,7 +1256,7 @@
           <p:cNvPr id="3" name="Content Placeholder 2">
             <a:extLst>
               <a:ext uri="{FF2B5EF4-FFF2-40B4-BE49-F238E27FC236}">
-                <a16:creationId xmlns:a16="http://schemas.microsoft.com/office/drawing/2014/main" id="{DDAD3AD2-1FA2-622D-1B09-9E19A7BB4031}"/>
+                <a16:creationId xmlns:a16="http://schemas.microsoft.com/office/drawing/2014/main" id="{D0D968A6-E5F6-2EBB-792B-BD513CAC2980}"/>
               </a:ext>
             </a:extLst>
           </p:cNvPr>
@@ -1318,7 +1318,7 @@
           <p:cNvPr id="4" name="Content Placeholder 3">
             <a:extLst>
               <a:ext uri="{FF2B5EF4-FFF2-40B4-BE49-F238E27FC236}">
-                <a16:creationId xmlns:a16="http://schemas.microsoft.com/office/drawing/2014/main" id="{9673193B-A909-EEEB-A90F-83E17D62C736}"/>
+                <a16:creationId xmlns:a16="http://schemas.microsoft.com/office/drawing/2014/main" id="{22B6185E-E672-F202-3E17-940AEEE62215}"/>
               </a:ext>
             </a:extLst>
           </p:cNvPr>
@@ -1380,7 +1380,7 @@
           <p:cNvPr id="5" name="Date Placeholder 4">
             <a:extLst>
               <a:ext uri="{FF2B5EF4-FFF2-40B4-BE49-F238E27FC236}">
-                <a16:creationId xmlns:a16="http://schemas.microsoft.com/office/drawing/2014/main" id="{BE3475E4-A5CE-1B75-8F8C-6CDBAFB2BE60}"/>
+                <a16:creationId xmlns:a16="http://schemas.microsoft.com/office/drawing/2014/main" id="{F68B970A-91A7-21A5-A5DC-2DB17CD4FB5E}"/>
               </a:ext>
             </a:extLst>
           </p:cNvPr>
@@ -1396,7 +1396,7 @@
           <a:bodyPr/>
           <a:lstStyle/>
           <a:p>
-            <a:fld id="{E62F4E31-0D0B-4847-82BC-E02D73BAD81B}" type="datetimeFigureOut">
+            <a:fld id="{5050D7C0-3D7F-4E2B-9A48-99F0294D6037}" type="datetimeFigureOut">
               <a:rPr lang="en-US" smtClean="0"/>
               <a:t>8/24/2024</a:t>
             </a:fld>
@@ -1409,7 +1409,7 @@
           <p:cNvPr id="6" name="Footer Placeholder 5">
             <a:extLst>
               <a:ext uri="{FF2B5EF4-FFF2-40B4-BE49-F238E27FC236}">
-                <a16:creationId xmlns:a16="http://schemas.microsoft.com/office/drawing/2014/main" id="{6C1E0942-20A8-9AB0-CC74-1FFD0BFC764C}"/>
+                <a16:creationId xmlns:a16="http://schemas.microsoft.com/office/drawing/2014/main" id="{CB6903DB-91FF-FEE5-2F11-A4F48BC749B9}"/>
               </a:ext>
             </a:extLst>
           </p:cNvPr>
@@ -1434,7 +1434,7 @@
           <p:cNvPr id="7" name="Slide Number Placeholder 6">
             <a:extLst>
               <a:ext uri="{FF2B5EF4-FFF2-40B4-BE49-F238E27FC236}">
-                <a16:creationId xmlns:a16="http://schemas.microsoft.com/office/drawing/2014/main" id="{7C288E54-9778-8A44-65EF-1B3EFA4F0433}"/>
+                <a16:creationId xmlns:a16="http://schemas.microsoft.com/office/drawing/2014/main" id="{7BB8270B-BFE4-B826-4764-01DA6529979A}"/>
               </a:ext>
             </a:extLst>
           </p:cNvPr>
@@ -1450,7 +1450,7 @@
           <a:bodyPr/>
           <a:lstStyle/>
           <a:p>
-            <a:fld id="{293BD125-DD38-418A-A204-5D12BE25F40D}" type="slidenum">
+            <a:fld id="{5F0B4CFA-AF48-46DA-9ACF-8BC8866962B0}" type="slidenum">
               <a:rPr lang="en-US" smtClean="0"/>
               <a:t>‹#›</a:t>
             </a:fld>
@@ -1461,7 +1461,7 @@
     </p:spTree>
     <p:extLst>
       <p:ext uri="{BB962C8B-B14F-4D97-AF65-F5344CB8AC3E}">
-        <p14:creationId xmlns:p14="http://schemas.microsoft.com/office/powerpoint/2010/main" val="2723559261"/>
+        <p14:creationId xmlns:p14="http://schemas.microsoft.com/office/powerpoint/2010/main" val="3474575780"/>
       </p:ext>
     </p:extLst>
   </p:cSld>
@@ -1493,7 +1493,7 @@
           <p:cNvPr id="2" name="Title 1">
             <a:extLst>
               <a:ext uri="{FF2B5EF4-FFF2-40B4-BE49-F238E27FC236}">
-                <a16:creationId xmlns:a16="http://schemas.microsoft.com/office/drawing/2014/main" id="{E7C7D426-1F85-2DDC-7FA4-260E7FC8517D}"/>
+                <a16:creationId xmlns:a16="http://schemas.microsoft.com/office/drawing/2014/main" id="{3A5B9C95-77C0-4479-2A92-E533990C014F}"/>
               </a:ext>
             </a:extLst>
           </p:cNvPr>
@@ -1526,7 +1526,7 @@
           <p:cNvPr id="3" name="Text Placeholder 2">
             <a:extLst>
               <a:ext uri="{FF2B5EF4-FFF2-40B4-BE49-F238E27FC236}">
-                <a16:creationId xmlns:a16="http://schemas.microsoft.com/office/drawing/2014/main" id="{B65BD5F6-F3D5-016F-CAD9-E9384B9471D8}"/>
+                <a16:creationId xmlns:a16="http://schemas.microsoft.com/office/drawing/2014/main" id="{EAA93242-42F8-BA58-D6AB-21F892FD0A89}"/>
               </a:ext>
             </a:extLst>
           </p:cNvPr>
@@ -1597,7 +1597,7 @@
           <p:cNvPr id="4" name="Content Placeholder 3">
             <a:extLst>
               <a:ext uri="{FF2B5EF4-FFF2-40B4-BE49-F238E27FC236}">
-                <a16:creationId xmlns:a16="http://schemas.microsoft.com/office/drawing/2014/main" id="{5244DDAE-AF00-3392-B2FE-E0DC08D99099}"/>
+                <a16:creationId xmlns:a16="http://schemas.microsoft.com/office/drawing/2014/main" id="{CA433D3E-E80F-AB2B-C82B-A2EDCB833899}"/>
               </a:ext>
             </a:extLst>
           </p:cNvPr>
@@ -1659,7 +1659,7 @@
           <p:cNvPr id="5" name="Text Placeholder 4">
             <a:extLst>
               <a:ext uri="{FF2B5EF4-FFF2-40B4-BE49-F238E27FC236}">
-                <a16:creationId xmlns:a16="http://schemas.microsoft.com/office/drawing/2014/main" id="{B87BC7A5-9E44-06B9-6946-750F5C02F3B0}"/>
+                <a16:creationId xmlns:a16="http://schemas.microsoft.com/office/drawing/2014/main" id="{ED4EF30E-4DA6-4F6F-FBDD-51C026056A06}"/>
               </a:ext>
             </a:extLst>
           </p:cNvPr>
@@ -1730,7 +1730,7 @@
           <p:cNvPr id="6" name="Content Placeholder 5">
             <a:extLst>
               <a:ext uri="{FF2B5EF4-FFF2-40B4-BE49-F238E27FC236}">
-                <a16:creationId xmlns:a16="http://schemas.microsoft.com/office/drawing/2014/main" id="{87631F8C-E204-AC38-BD61-82F146CB68B1}"/>
+                <a16:creationId xmlns:a16="http://schemas.microsoft.com/office/drawing/2014/main" id="{15B9A4D5-2859-2616-0499-87B702B159D4}"/>
               </a:ext>
             </a:extLst>
           </p:cNvPr>
@@ -1792,7 +1792,7 @@
           <p:cNvPr id="7" name="Date Placeholder 6">
             <a:extLst>
               <a:ext uri="{FF2B5EF4-FFF2-40B4-BE49-F238E27FC236}">
-                <a16:creationId xmlns:a16="http://schemas.microsoft.com/office/drawing/2014/main" id="{35E9FEDD-D151-26B7-4961-9B4BFCE63FD3}"/>
+                <a16:creationId xmlns:a16="http://schemas.microsoft.com/office/drawing/2014/main" id="{38D522ED-6796-42E9-E164-1FAF29792D9D}"/>
               </a:ext>
             </a:extLst>
           </p:cNvPr>
@@ -1808,7 +1808,7 @@
           <a:bodyPr/>
           <a:lstStyle/>
           <a:p>
-            <a:fld id="{E62F4E31-0D0B-4847-82BC-E02D73BAD81B}" type="datetimeFigureOut">
+            <a:fld id="{5050D7C0-3D7F-4E2B-9A48-99F0294D6037}" type="datetimeFigureOut">
               <a:rPr lang="en-US" smtClean="0"/>
               <a:t>8/24/2024</a:t>
             </a:fld>
@@ -1821,7 +1821,7 @@
           <p:cNvPr id="8" name="Footer Placeholder 7">
             <a:extLst>
               <a:ext uri="{FF2B5EF4-FFF2-40B4-BE49-F238E27FC236}">
-                <a16:creationId xmlns:a16="http://schemas.microsoft.com/office/drawing/2014/main" id="{0F8F2B0D-E5C4-6982-3FE1-4544C86B38F8}"/>
+                <a16:creationId xmlns:a16="http://schemas.microsoft.com/office/drawing/2014/main" id="{931E9F62-4D39-94CD-E551-B9FAD868CDEF}"/>
               </a:ext>
             </a:extLst>
           </p:cNvPr>
@@ -1846,7 +1846,7 @@
           <p:cNvPr id="9" name="Slide Number Placeholder 8">
             <a:extLst>
               <a:ext uri="{FF2B5EF4-FFF2-40B4-BE49-F238E27FC236}">
-                <a16:creationId xmlns:a16="http://schemas.microsoft.com/office/drawing/2014/main" id="{0006CCAD-5FE8-22B6-8C7E-C0F62F863ED9}"/>
+                <a16:creationId xmlns:a16="http://schemas.microsoft.com/office/drawing/2014/main" id="{A9C0B81E-51E7-7B9A-3F4D-44EE80CB3CB2}"/>
               </a:ext>
             </a:extLst>
           </p:cNvPr>
@@ -1862,7 +1862,7 @@
           <a:bodyPr/>
           <a:lstStyle/>
           <a:p>
-            <a:fld id="{293BD125-DD38-418A-A204-5D12BE25F40D}" type="slidenum">
+            <a:fld id="{5F0B4CFA-AF48-46DA-9ACF-8BC8866962B0}" type="slidenum">
               <a:rPr lang="en-US" smtClean="0"/>
               <a:t>‹#›</a:t>
             </a:fld>
@@ -1873,7 +1873,7 @@
     </p:spTree>
     <p:extLst>
       <p:ext uri="{BB962C8B-B14F-4D97-AF65-F5344CB8AC3E}">
-        <p14:creationId xmlns:p14="http://schemas.microsoft.com/office/powerpoint/2010/main" val="1193024210"/>
+        <p14:creationId xmlns:p14="http://schemas.microsoft.com/office/powerpoint/2010/main" val="2198844598"/>
       </p:ext>
     </p:extLst>
   </p:cSld>
@@ -1905,7 +1905,7 @@
           <p:cNvPr id="2" name="Title 1">
             <a:extLst>
               <a:ext uri="{FF2B5EF4-FFF2-40B4-BE49-F238E27FC236}">
-                <a16:creationId xmlns:a16="http://schemas.microsoft.com/office/drawing/2014/main" id="{0F18D21D-314B-D717-D59A-DD12FAC6C3C9}"/>
+                <a16:creationId xmlns:a16="http://schemas.microsoft.com/office/drawing/2014/main" id="{9580B5B9-64F4-38AA-AADB-6A9707CBA1DD}"/>
               </a:ext>
             </a:extLst>
           </p:cNvPr>
@@ -1933,7 +1933,7 @@
           <p:cNvPr id="3" name="Date Placeholder 2">
             <a:extLst>
               <a:ext uri="{FF2B5EF4-FFF2-40B4-BE49-F238E27FC236}">
-                <a16:creationId xmlns:a16="http://schemas.microsoft.com/office/drawing/2014/main" id="{50C6AF04-0798-AF81-CAB7-536A0ACB2B36}"/>
+                <a16:creationId xmlns:a16="http://schemas.microsoft.com/office/drawing/2014/main" id="{9DC7E02E-07B5-16BA-7A8E-8C56AA100996}"/>
               </a:ext>
             </a:extLst>
           </p:cNvPr>
@@ -1949,7 +1949,7 @@
           <a:bodyPr/>
           <a:lstStyle/>
           <a:p>
-            <a:fld id="{E62F4E31-0D0B-4847-82BC-E02D73BAD81B}" type="datetimeFigureOut">
+            <a:fld id="{5050D7C0-3D7F-4E2B-9A48-99F0294D6037}" type="datetimeFigureOut">
               <a:rPr lang="en-US" smtClean="0"/>
               <a:t>8/24/2024</a:t>
             </a:fld>
@@ -1962,7 +1962,7 @@
           <p:cNvPr id="4" name="Footer Placeholder 3">
             <a:extLst>
               <a:ext uri="{FF2B5EF4-FFF2-40B4-BE49-F238E27FC236}">
-                <a16:creationId xmlns:a16="http://schemas.microsoft.com/office/drawing/2014/main" id="{CDB1B87B-15D1-4511-EDE9-9850057A5C24}"/>
+                <a16:creationId xmlns:a16="http://schemas.microsoft.com/office/drawing/2014/main" id="{5919D224-5B9A-1FFC-B228-4378CFFDBA08}"/>
               </a:ext>
             </a:extLst>
           </p:cNvPr>
@@ -1987,7 +1987,7 @@
           <p:cNvPr id="5" name="Slide Number Placeholder 4">
             <a:extLst>
               <a:ext uri="{FF2B5EF4-FFF2-40B4-BE49-F238E27FC236}">
-                <a16:creationId xmlns:a16="http://schemas.microsoft.com/office/drawing/2014/main" id="{9D333E2C-A25B-465B-1A8D-06663A75FF9E}"/>
+                <a16:creationId xmlns:a16="http://schemas.microsoft.com/office/drawing/2014/main" id="{C8C12D7D-405D-A3A1-645C-914E0B57E696}"/>
               </a:ext>
             </a:extLst>
           </p:cNvPr>
@@ -2003,7 +2003,7 @@
           <a:bodyPr/>
           <a:lstStyle/>
           <a:p>
-            <a:fld id="{293BD125-DD38-418A-A204-5D12BE25F40D}" type="slidenum">
+            <a:fld id="{5F0B4CFA-AF48-46DA-9ACF-8BC8866962B0}" type="slidenum">
               <a:rPr lang="en-US" smtClean="0"/>
               <a:t>‹#›</a:t>
             </a:fld>
@@ -2014,7 +2014,7 @@
     </p:spTree>
     <p:extLst>
       <p:ext uri="{BB962C8B-B14F-4D97-AF65-F5344CB8AC3E}">
-        <p14:creationId xmlns:p14="http://schemas.microsoft.com/office/powerpoint/2010/main" val="3837041901"/>
+        <p14:creationId xmlns:p14="http://schemas.microsoft.com/office/powerpoint/2010/main" val="2179144329"/>
       </p:ext>
     </p:extLst>
   </p:cSld>
@@ -2046,7 +2046,7 @@
           <p:cNvPr id="2" name="Date Placeholder 1">
             <a:extLst>
               <a:ext uri="{FF2B5EF4-FFF2-40B4-BE49-F238E27FC236}">
-                <a16:creationId xmlns:a16="http://schemas.microsoft.com/office/drawing/2014/main" id="{F56A26D1-DB37-C681-2910-858163D9BD76}"/>
+                <a16:creationId xmlns:a16="http://schemas.microsoft.com/office/drawing/2014/main" id="{7015E9B0-E2E0-78CC-DDF1-87D164485F31}"/>
               </a:ext>
             </a:extLst>
           </p:cNvPr>
@@ -2062,7 +2062,7 @@
           <a:bodyPr/>
           <a:lstStyle/>
           <a:p>
-            <a:fld id="{E62F4E31-0D0B-4847-82BC-E02D73BAD81B}" type="datetimeFigureOut">
+            <a:fld id="{5050D7C0-3D7F-4E2B-9A48-99F0294D6037}" type="datetimeFigureOut">
               <a:rPr lang="en-US" smtClean="0"/>
               <a:t>8/24/2024</a:t>
             </a:fld>
@@ -2075,7 +2075,7 @@
           <p:cNvPr id="3" name="Footer Placeholder 2">
             <a:extLst>
               <a:ext uri="{FF2B5EF4-FFF2-40B4-BE49-F238E27FC236}">
-                <a16:creationId xmlns:a16="http://schemas.microsoft.com/office/drawing/2014/main" id="{39CB16AE-6417-D3C8-A92E-2847A283538E}"/>
+                <a16:creationId xmlns:a16="http://schemas.microsoft.com/office/drawing/2014/main" id="{F877B679-4154-D0AA-0B58-1050DDC00EB0}"/>
               </a:ext>
             </a:extLst>
           </p:cNvPr>
@@ -2100,7 +2100,7 @@
           <p:cNvPr id="4" name="Slide Number Placeholder 3">
             <a:extLst>
               <a:ext uri="{FF2B5EF4-FFF2-40B4-BE49-F238E27FC236}">
-                <a16:creationId xmlns:a16="http://schemas.microsoft.com/office/drawing/2014/main" id="{D94990F4-D0EE-236A-489B-74A80AE3D4B9}"/>
+                <a16:creationId xmlns:a16="http://schemas.microsoft.com/office/drawing/2014/main" id="{61DA6C98-7FF9-BBEC-1A0B-0DE92D7A68A3}"/>
               </a:ext>
             </a:extLst>
           </p:cNvPr>
@@ -2116,7 +2116,7 @@
           <a:bodyPr/>
           <a:lstStyle/>
           <a:p>
-            <a:fld id="{293BD125-DD38-418A-A204-5D12BE25F40D}" type="slidenum">
+            <a:fld id="{5F0B4CFA-AF48-46DA-9ACF-8BC8866962B0}" type="slidenum">
               <a:rPr lang="en-US" smtClean="0"/>
               <a:t>‹#›</a:t>
             </a:fld>
@@ -2127,7 +2127,7 @@
     </p:spTree>
     <p:extLst>
       <p:ext uri="{BB962C8B-B14F-4D97-AF65-F5344CB8AC3E}">
-        <p14:creationId xmlns:p14="http://schemas.microsoft.com/office/powerpoint/2010/main" val="1472130778"/>
+        <p14:creationId xmlns:p14="http://schemas.microsoft.com/office/powerpoint/2010/main" val="1491381443"/>
       </p:ext>
     </p:extLst>
   </p:cSld>
@@ -2159,7 +2159,7 @@
           <p:cNvPr id="2" name="Title 1">
             <a:extLst>
               <a:ext uri="{FF2B5EF4-FFF2-40B4-BE49-F238E27FC236}">
-                <a16:creationId xmlns:a16="http://schemas.microsoft.com/office/drawing/2014/main" id="{A31EA5A0-B6EF-4A3A-EA3B-DE603C5659ED}"/>
+                <a16:creationId xmlns:a16="http://schemas.microsoft.com/office/drawing/2014/main" id="{6CCF8E2B-B2AA-A528-D0AF-C780D43297C3}"/>
               </a:ext>
             </a:extLst>
           </p:cNvPr>
@@ -2196,7 +2196,7 @@
           <p:cNvPr id="3" name="Content Placeholder 2">
             <a:extLst>
               <a:ext uri="{FF2B5EF4-FFF2-40B4-BE49-F238E27FC236}">
-                <a16:creationId xmlns:a16="http://schemas.microsoft.com/office/drawing/2014/main" id="{D6A9043D-61F8-A6D4-C920-5A665255F69B}"/>
+                <a16:creationId xmlns:a16="http://schemas.microsoft.com/office/drawing/2014/main" id="{2A7FC1E2-BCFB-8370-879A-0492F9FA2021}"/>
               </a:ext>
             </a:extLst>
           </p:cNvPr>
@@ -2286,7 +2286,7 @@
           <p:cNvPr id="4" name="Text Placeholder 3">
             <a:extLst>
               <a:ext uri="{FF2B5EF4-FFF2-40B4-BE49-F238E27FC236}">
-                <a16:creationId xmlns:a16="http://schemas.microsoft.com/office/drawing/2014/main" id="{DF9083AD-D250-AB87-DF63-43E229966EE4}"/>
+                <a16:creationId xmlns:a16="http://schemas.microsoft.com/office/drawing/2014/main" id="{DB042A86-0E16-371F-2AF1-BDE943ECE050}"/>
               </a:ext>
             </a:extLst>
           </p:cNvPr>
@@ -2357,7 +2357,7 @@
           <p:cNvPr id="5" name="Date Placeholder 4">
             <a:extLst>
               <a:ext uri="{FF2B5EF4-FFF2-40B4-BE49-F238E27FC236}">
-                <a16:creationId xmlns:a16="http://schemas.microsoft.com/office/drawing/2014/main" id="{93EF2C7C-022D-E868-B6E8-0C2A4864D6EB}"/>
+                <a16:creationId xmlns:a16="http://schemas.microsoft.com/office/drawing/2014/main" id="{ADAE3BFB-5ECD-61A5-2CA1-5B5F0320EEF4}"/>
               </a:ext>
             </a:extLst>
           </p:cNvPr>
@@ -2373,7 +2373,7 @@
           <a:bodyPr/>
           <a:lstStyle/>
           <a:p>
-            <a:fld id="{E62F4E31-0D0B-4847-82BC-E02D73BAD81B}" type="datetimeFigureOut">
+            <a:fld id="{5050D7C0-3D7F-4E2B-9A48-99F0294D6037}" type="datetimeFigureOut">
               <a:rPr lang="en-US" smtClean="0"/>
               <a:t>8/24/2024</a:t>
             </a:fld>
@@ -2386,7 +2386,7 @@
           <p:cNvPr id="6" name="Footer Placeholder 5">
             <a:extLst>
               <a:ext uri="{FF2B5EF4-FFF2-40B4-BE49-F238E27FC236}">
-                <a16:creationId xmlns:a16="http://schemas.microsoft.com/office/drawing/2014/main" id="{9C6D1D4B-F28D-7187-93F3-55530E1FCF4D}"/>
+                <a16:creationId xmlns:a16="http://schemas.microsoft.com/office/drawing/2014/main" id="{A1712E9C-B2B6-72E5-D41E-F12F78203532}"/>
               </a:ext>
             </a:extLst>
           </p:cNvPr>
@@ -2411,7 +2411,7 @@
           <p:cNvPr id="7" name="Slide Number Placeholder 6">
             <a:extLst>
               <a:ext uri="{FF2B5EF4-FFF2-40B4-BE49-F238E27FC236}">
-                <a16:creationId xmlns:a16="http://schemas.microsoft.com/office/drawing/2014/main" id="{6CB00661-51D2-C456-608D-DE68BA55F76D}"/>
+                <a16:creationId xmlns:a16="http://schemas.microsoft.com/office/drawing/2014/main" id="{43D32025-7A52-E95E-F0B0-D28F846D8518}"/>
               </a:ext>
             </a:extLst>
           </p:cNvPr>
@@ -2427,7 +2427,7 @@
           <a:bodyPr/>
           <a:lstStyle/>
           <a:p>
-            <a:fld id="{293BD125-DD38-418A-A204-5D12BE25F40D}" type="slidenum">
+            <a:fld id="{5F0B4CFA-AF48-46DA-9ACF-8BC8866962B0}" type="slidenum">
               <a:rPr lang="en-US" smtClean="0"/>
               <a:t>‹#›</a:t>
             </a:fld>
@@ -2438,7 +2438,7 @@
     </p:spTree>
     <p:extLst>
       <p:ext uri="{BB962C8B-B14F-4D97-AF65-F5344CB8AC3E}">
-        <p14:creationId xmlns:p14="http://schemas.microsoft.com/office/powerpoint/2010/main" val="2077666569"/>
+        <p14:creationId xmlns:p14="http://schemas.microsoft.com/office/powerpoint/2010/main" val="3308112202"/>
       </p:ext>
     </p:extLst>
   </p:cSld>
@@ -2470,7 +2470,7 @@
           <p:cNvPr id="2" name="Title 1">
             <a:extLst>
               <a:ext uri="{FF2B5EF4-FFF2-40B4-BE49-F238E27FC236}">
-                <a16:creationId xmlns:a16="http://schemas.microsoft.com/office/drawing/2014/main" id="{C265C1B7-3148-F50D-6527-6C5299E2CCB0}"/>
+                <a16:creationId xmlns:a16="http://schemas.microsoft.com/office/drawing/2014/main" id="{8FAA4781-0142-3134-C6F8-BB92F107B460}"/>
               </a:ext>
             </a:extLst>
           </p:cNvPr>
@@ -2507,7 +2507,7 @@
           <p:cNvPr id="3" name="Picture Placeholder 2">
             <a:extLst>
               <a:ext uri="{FF2B5EF4-FFF2-40B4-BE49-F238E27FC236}">
-                <a16:creationId xmlns:a16="http://schemas.microsoft.com/office/drawing/2014/main" id="{E92D2996-CD66-4506-C56E-EA02E84F2346}"/>
+                <a16:creationId xmlns:a16="http://schemas.microsoft.com/office/drawing/2014/main" id="{AFA38BCB-2C4B-7001-4E82-2F05811F26FE}"/>
               </a:ext>
             </a:extLst>
           </p:cNvPr>
@@ -2574,7 +2574,7 @@
           <p:cNvPr id="4" name="Text Placeholder 3">
             <a:extLst>
               <a:ext uri="{FF2B5EF4-FFF2-40B4-BE49-F238E27FC236}">
-                <a16:creationId xmlns:a16="http://schemas.microsoft.com/office/drawing/2014/main" id="{E713E3E7-5F23-7D40-208E-54053D0F5D87}"/>
+                <a16:creationId xmlns:a16="http://schemas.microsoft.com/office/drawing/2014/main" id="{D4228022-732B-8483-5C46-354601F6821A}"/>
               </a:ext>
             </a:extLst>
           </p:cNvPr>
@@ -2645,7 +2645,7 @@
           <p:cNvPr id="5" name="Date Placeholder 4">
             <a:extLst>
               <a:ext uri="{FF2B5EF4-FFF2-40B4-BE49-F238E27FC236}">
-                <a16:creationId xmlns:a16="http://schemas.microsoft.com/office/drawing/2014/main" id="{C4F12331-A7D9-F71F-9429-D4FFE2DD4457}"/>
+                <a16:creationId xmlns:a16="http://schemas.microsoft.com/office/drawing/2014/main" id="{49691883-05A9-1D12-4886-BE9667AF9D6B}"/>
               </a:ext>
             </a:extLst>
           </p:cNvPr>
@@ -2661,7 +2661,7 @@
           <a:bodyPr/>
           <a:lstStyle/>
           <a:p>
-            <a:fld id="{E62F4E31-0D0B-4847-82BC-E02D73BAD81B}" type="datetimeFigureOut">
+            <a:fld id="{5050D7C0-3D7F-4E2B-9A48-99F0294D6037}" type="datetimeFigureOut">
               <a:rPr lang="en-US" smtClean="0"/>
               <a:t>8/24/2024</a:t>
             </a:fld>
@@ -2674,7 +2674,7 @@
           <p:cNvPr id="6" name="Footer Placeholder 5">
             <a:extLst>
               <a:ext uri="{FF2B5EF4-FFF2-40B4-BE49-F238E27FC236}">
-                <a16:creationId xmlns:a16="http://schemas.microsoft.com/office/drawing/2014/main" id="{C65E05EF-8062-C023-D606-711EAB591497}"/>
+                <a16:creationId xmlns:a16="http://schemas.microsoft.com/office/drawing/2014/main" id="{206F658D-FB54-7289-FFCF-FCD0A017485D}"/>
               </a:ext>
             </a:extLst>
           </p:cNvPr>
@@ -2699,7 +2699,7 @@
           <p:cNvPr id="7" name="Slide Number Placeholder 6">
             <a:extLst>
               <a:ext uri="{FF2B5EF4-FFF2-40B4-BE49-F238E27FC236}">
-                <a16:creationId xmlns:a16="http://schemas.microsoft.com/office/drawing/2014/main" id="{D4D3D8B1-19FB-AEED-6AC0-08318A9DEE6A}"/>
+                <a16:creationId xmlns:a16="http://schemas.microsoft.com/office/drawing/2014/main" id="{5E086FB8-A519-2136-1CA7-5E7BE18875A9}"/>
               </a:ext>
             </a:extLst>
           </p:cNvPr>
@@ -2715,7 +2715,7 @@
           <a:bodyPr/>
           <a:lstStyle/>
           <a:p>
-            <a:fld id="{293BD125-DD38-418A-A204-5D12BE25F40D}" type="slidenum">
+            <a:fld id="{5F0B4CFA-AF48-46DA-9ACF-8BC8866962B0}" type="slidenum">
               <a:rPr lang="en-US" smtClean="0"/>
               <a:t>‹#›</a:t>
             </a:fld>
@@ -2726,7 +2726,7 @@
     </p:spTree>
     <p:extLst>
       <p:ext uri="{BB962C8B-B14F-4D97-AF65-F5344CB8AC3E}">
-        <p14:creationId xmlns:p14="http://schemas.microsoft.com/office/powerpoint/2010/main" val="1288615319"/>
+        <p14:creationId xmlns:p14="http://schemas.microsoft.com/office/powerpoint/2010/main" val="2919125688"/>
       </p:ext>
     </p:extLst>
   </p:cSld>
@@ -2763,7 +2763,7 @@
           <p:cNvPr id="2" name="Title Placeholder 1">
             <a:extLst>
               <a:ext uri="{FF2B5EF4-FFF2-40B4-BE49-F238E27FC236}">
-                <a16:creationId xmlns:a16="http://schemas.microsoft.com/office/drawing/2014/main" id="{48CD680C-0EF6-0D4D-ADEA-355204F740EC}"/>
+                <a16:creationId xmlns:a16="http://schemas.microsoft.com/office/drawing/2014/main" id="{4661F77F-A3D8-5218-C7CF-B20CC5E0D9B8}"/>
               </a:ext>
             </a:extLst>
           </p:cNvPr>
@@ -2801,7 +2801,7 @@
           <p:cNvPr id="3" name="Text Placeholder 2">
             <a:extLst>
               <a:ext uri="{FF2B5EF4-FFF2-40B4-BE49-F238E27FC236}">
-                <a16:creationId xmlns:a16="http://schemas.microsoft.com/office/drawing/2014/main" id="{04F4D6C6-3CFD-DB9A-0108-20FB449449C8}"/>
+                <a16:creationId xmlns:a16="http://schemas.microsoft.com/office/drawing/2014/main" id="{0E3077B2-A4A9-4542-662B-5AB6ED01B6F4}"/>
               </a:ext>
             </a:extLst>
           </p:cNvPr>
@@ -2868,7 +2868,7 @@
           <p:cNvPr id="4" name="Date Placeholder 3">
             <a:extLst>
               <a:ext uri="{FF2B5EF4-FFF2-40B4-BE49-F238E27FC236}">
-                <a16:creationId xmlns:a16="http://schemas.microsoft.com/office/drawing/2014/main" id="{9C79986A-AE14-A22A-EDC5-0C502731CAB8}"/>
+                <a16:creationId xmlns:a16="http://schemas.microsoft.com/office/drawing/2014/main" id="{66734433-A86A-995B-2F3E-43E8E52A3A2D}"/>
               </a:ext>
             </a:extLst>
           </p:cNvPr>
@@ -2902,7 +2902,7 @@
             </a:lvl1pPr>
           </a:lstStyle>
           <a:p>
-            <a:fld id="{E62F4E31-0D0B-4847-82BC-E02D73BAD81B}" type="datetimeFigureOut">
+            <a:fld id="{5050D7C0-3D7F-4E2B-9A48-99F0294D6037}" type="datetimeFigureOut">
               <a:rPr lang="en-US" smtClean="0"/>
               <a:t>8/24/2024</a:t>
             </a:fld>
@@ -2915,7 +2915,7 @@
           <p:cNvPr id="5" name="Footer Placeholder 4">
             <a:extLst>
               <a:ext uri="{FF2B5EF4-FFF2-40B4-BE49-F238E27FC236}">
-                <a16:creationId xmlns:a16="http://schemas.microsoft.com/office/drawing/2014/main" id="{6589EB36-BB59-D8B7-F6F2-275BC23E0374}"/>
+                <a16:creationId xmlns:a16="http://schemas.microsoft.com/office/drawing/2014/main" id="{BCA44047-5A06-7858-3492-5DCD9EA94FC7}"/>
               </a:ext>
             </a:extLst>
           </p:cNvPr>
@@ -2958,7 +2958,7 @@
           <p:cNvPr id="6" name="Slide Number Placeholder 5">
             <a:extLst>
               <a:ext uri="{FF2B5EF4-FFF2-40B4-BE49-F238E27FC236}">
-                <a16:creationId xmlns:a16="http://schemas.microsoft.com/office/drawing/2014/main" id="{6B640A5F-16DD-046A-4F75-2C91612C76FB}"/>
+                <a16:creationId xmlns:a16="http://schemas.microsoft.com/office/drawing/2014/main" id="{C091F94C-AEFC-B795-605B-2B5A301EDA32}"/>
               </a:ext>
             </a:extLst>
           </p:cNvPr>
@@ -2992,7 +2992,7 @@
             </a:lvl1pPr>
           </a:lstStyle>
           <a:p>
-            <a:fld id="{293BD125-DD38-418A-A204-5D12BE25F40D}" type="slidenum">
+            <a:fld id="{5F0B4CFA-AF48-46DA-9ACF-8BC8866962B0}" type="slidenum">
               <a:rPr lang="en-US" smtClean="0"/>
               <a:t>‹#›</a:t>
             </a:fld>
@@ -3003,7 +3003,7 @@
     </p:spTree>
     <p:extLst>
       <p:ext uri="{BB962C8B-B14F-4D97-AF65-F5344CB8AC3E}">
-        <p14:creationId xmlns:p14="http://schemas.microsoft.com/office/powerpoint/2010/main" val="1839662094"/>
+        <p14:creationId xmlns:p14="http://schemas.microsoft.com/office/powerpoint/2010/main" val="3591879739"/>
       </p:ext>
     </p:extLst>
   </p:cSld>
@@ -3326,7 +3326,7 @@
           <p:cNvPr id="2" name="ImagePlaceholder">
             <a:extLst>
               <a:ext uri="{FF2B5EF4-FFF2-40B4-BE49-F238E27FC236}">
-                <a16:creationId xmlns:a16="http://schemas.microsoft.com/office/drawing/2014/main" id="{95712DFD-68EF-4E51-D14F-C996D6E38FD6}"/>
+                <a16:creationId xmlns:a16="http://schemas.microsoft.com/office/drawing/2014/main" id="{91D766AA-C3C4-73B8-62FC-609F253B072D}"/>
               </a:ext>
             </a:extLst>
           </p:cNvPr>
@@ -3394,7 +3394,7 @@
           <p:cNvPr id="3" name="CollectionTitle">
             <a:extLst>
               <a:ext uri="{FF2B5EF4-FFF2-40B4-BE49-F238E27FC236}">
-                <a16:creationId xmlns:a16="http://schemas.microsoft.com/office/drawing/2014/main" id="{4DAA7218-B307-291D-1D4E-92F753F42857}"/>
+                <a16:creationId xmlns:a16="http://schemas.microsoft.com/office/drawing/2014/main" id="{885B6039-EA34-5BD9-20CD-3FF97899B610}"/>
               </a:ext>
             </a:extLst>
           </p:cNvPr>
@@ -3439,7 +3439,7 @@
           <p:cNvPr id="5" name="TitleBox">
             <a:extLst>
               <a:ext uri="{FF2B5EF4-FFF2-40B4-BE49-F238E27FC236}">
-                <a16:creationId xmlns:a16="http://schemas.microsoft.com/office/drawing/2014/main" id="{C96E1AB8-D0F3-C263-66EB-7F17F4381B7F}"/>
+                <a16:creationId xmlns:a16="http://schemas.microsoft.com/office/drawing/2014/main" id="{D821C236-4D4C-ED5B-5A5D-9FF62FBCA5F6}"/>
               </a:ext>
             </a:extLst>
           </p:cNvPr>
@@ -3474,7 +3474,7 @@
                 </a:solidFill>
                 <a:latin typeface="Energy Display" panose="020B0508050000020004" pitchFamily="34" charset="0"/>
               </a:rPr>
-              <a:t>012354  </a:t>
+              <a:t>012354</a:t>
             </a:r>
           </a:p>
         </p:txBody>
@@ -3484,7 +3484,7 @@
           <p:cNvPr id="6" name="SubtitleBox">
             <a:extLst>
               <a:ext uri="{FF2B5EF4-FFF2-40B4-BE49-F238E27FC236}">
-                <a16:creationId xmlns:a16="http://schemas.microsoft.com/office/drawing/2014/main" id="{370DA430-BDB7-2B9D-B47B-EA40A4683547}"/>
+                <a16:creationId xmlns:a16="http://schemas.microsoft.com/office/drawing/2014/main" id="{47EB909D-A62F-12BF-C52C-505444534A46}"/>
               </a:ext>
             </a:extLst>
           </p:cNvPr>
@@ -3521,10 +3521,10 @@
       </p:sp>
       <p:sp>
         <p:nvSpPr>
-          <p:cNvPr id="7" name="Timestamp1">
-            <a:extLst>
-              <a:ext uri="{FF2B5EF4-FFF2-40B4-BE49-F238E27FC236}">
-                <a16:creationId xmlns:a16="http://schemas.microsoft.com/office/drawing/2014/main" id="{AC7EE2AC-ABD1-0BC2-CB17-F950FDBB03B9}"/>
+          <p:cNvPr id="8" name="Timestamp1">
+            <a:extLst>
+              <a:ext uri="{FF2B5EF4-FFF2-40B4-BE49-F238E27FC236}">
+                <a16:creationId xmlns:a16="http://schemas.microsoft.com/office/drawing/2014/main" id="{2242B055-013C-CF12-E9DA-41859FD39C6C}"/>
               </a:ext>
             </a:extLst>
           </p:cNvPr>
@@ -3542,12 +3542,12 @@
           <a:noFill/>
         </p:spPr>
         <p:txBody>
-          <a:bodyPr vert="horz" wrap="square" tIns="0" rtlCol="0">
+          <a:bodyPr vert="horz" wrap="none" tIns="0" rtlCol="0">
             <a:noAutofit/>
           </a:bodyPr>
           <a:lstStyle/>
           <a:p>
-            <a:pPr>
+            <a:pPr algn="r">
               <a:lnSpc>
                 <a:spcPct val="130000"/>
               </a:lnSpc>
@@ -3559,17 +3559,17 @@
                 </a:solidFill>
                 <a:latin typeface="Energy Bold"/>
               </a:rPr>
-              <a:t>Timestamp 1 . . . . . . . . . . . . . . . . . . . . . . . . . . . . 00:00</a:t>
-            </a:r>
-          </a:p>
-        </p:txBody>
-      </p:sp>
-      <p:sp>
-        <p:nvSpPr>
-          <p:cNvPr id="8" name="Timestamp2">
-            <a:extLst>
-              <a:ext uri="{FF2B5EF4-FFF2-40B4-BE49-F238E27FC236}">
-                <a16:creationId xmlns:a16="http://schemas.microsoft.com/office/drawing/2014/main" id="{5BD417DE-E248-E435-B10A-2774994A529D}"/>
+              <a:t>Short ............................................................... 00:10</a:t>
+            </a:r>
+          </a:p>
+        </p:txBody>
+      </p:sp>
+      <p:sp>
+        <p:nvSpPr>
+          <p:cNvPr id="10" name="Timestamp2">
+            <a:extLst>
+              <a:ext uri="{FF2B5EF4-FFF2-40B4-BE49-F238E27FC236}">
+                <a16:creationId xmlns:a16="http://schemas.microsoft.com/office/drawing/2014/main" id="{3999446C-6695-D2C2-CB56-A31E4697B81F}"/>
               </a:ext>
             </a:extLst>
           </p:cNvPr>
@@ -3587,12 +3587,12 @@
           <a:noFill/>
         </p:spPr>
         <p:txBody>
-          <a:bodyPr vert="horz" wrap="square" tIns="0" rtlCol="0">
+          <a:bodyPr vert="horz" wrap="none" tIns="0" rtlCol="0">
             <a:noAutofit/>
           </a:bodyPr>
           <a:lstStyle/>
           <a:p>
-            <a:pPr>
+            <a:pPr algn="r">
               <a:lnSpc>
                 <a:spcPct val="130000"/>
               </a:lnSpc>
@@ -3604,17 +3604,17 @@
                 </a:solidFill>
                 <a:latin typeface="Energy Bold"/>
               </a:rPr>
-              <a:t>Timestamp 2 . . . . . . . . . . . . . . . . . . . . . . . . . . . . 00:00</a:t>
-            </a:r>
-          </a:p>
-        </p:txBody>
-      </p:sp>
-      <p:sp>
-        <p:nvSpPr>
-          <p:cNvPr id="9" name="Timestamp3">
-            <a:extLst>
-              <a:ext uri="{FF2B5EF4-FFF2-40B4-BE49-F238E27FC236}">
-                <a16:creationId xmlns:a16="http://schemas.microsoft.com/office/drawing/2014/main" id="{D263E783-7D3F-F456-539A-869D42F7DCDA}"/>
+              <a:t>A bit longer timestamp ............................ 00:20</a:t>
+            </a:r>
+          </a:p>
+        </p:txBody>
+      </p:sp>
+      <p:sp>
+        <p:nvSpPr>
+          <p:cNvPr id="12" name="Timestamp3">
+            <a:extLst>
+              <a:ext uri="{FF2B5EF4-FFF2-40B4-BE49-F238E27FC236}">
+                <a16:creationId xmlns:a16="http://schemas.microsoft.com/office/drawing/2014/main" id="{E30A5232-1E6F-8ABC-4680-C9A395F373BA}"/>
               </a:ext>
             </a:extLst>
           </p:cNvPr>
@@ -3632,12 +3632,12 @@
           <a:noFill/>
         </p:spPr>
         <p:txBody>
-          <a:bodyPr vert="horz" wrap="square" tIns="0" rtlCol="0">
+          <a:bodyPr vert="horz" wrap="none" tIns="0" rtlCol="0">
             <a:noAutofit/>
           </a:bodyPr>
           <a:lstStyle/>
           <a:p>
-            <a:pPr>
+            <a:pPr algn="r">
               <a:lnSpc>
                 <a:spcPct val="130000"/>
               </a:lnSpc>
@@ -3649,17 +3649,17 @@
                 </a:solidFill>
                 <a:latin typeface="Energy Bold"/>
               </a:rPr>
-              <a:t>Timestamp 3 . . . . . . . . . . . . . . . . . . . . . . . . . . . . 00:00</a:t>
-            </a:r>
-          </a:p>
-        </p:txBody>
-      </p:sp>
-      <p:sp>
-        <p:nvSpPr>
-          <p:cNvPr id="10" name="Timestamp4">
-            <a:extLst>
-              <a:ext uri="{FF2B5EF4-FFF2-40B4-BE49-F238E27FC236}">
-                <a16:creationId xmlns:a16="http://schemas.microsoft.com/office/drawing/2014/main" id="{4977610F-1EFE-D796-8FFE-CD17972C3F2D}"/>
+              <a:t>This is a much longer timestamp text .. 00:30</a:t>
+            </a:r>
+          </a:p>
+        </p:txBody>
+      </p:sp>
+      <p:sp>
+        <p:nvSpPr>
+          <p:cNvPr id="14" name="Timestamp4">
+            <a:extLst>
+              <a:ext uri="{FF2B5EF4-FFF2-40B4-BE49-F238E27FC236}">
+                <a16:creationId xmlns:a16="http://schemas.microsoft.com/office/drawing/2014/main" id="{629428A4-CC51-7EDB-9785-50D496D73F8F}"/>
               </a:ext>
             </a:extLst>
           </p:cNvPr>
@@ -3677,12 +3677,12 @@
           <a:noFill/>
         </p:spPr>
         <p:txBody>
-          <a:bodyPr vert="horz" wrap="square" tIns="0" rtlCol="0">
+          <a:bodyPr vert="horz" wrap="none" tIns="0" rtlCol="0">
             <a:noAutofit/>
           </a:bodyPr>
           <a:lstStyle/>
           <a:p>
-            <a:pPr>
+            <a:pPr algn="r">
               <a:lnSpc>
                 <a:spcPct val="130000"/>
               </a:lnSpc>
@@ -3694,17 +3694,17 @@
                 </a:solidFill>
                 <a:latin typeface="Energy Bold"/>
               </a:rPr>
-              <a:t>Timestamp 4 . . . . . . . . . . . . . . . . . . . . . . . . . . . . 00:00</a:t>
-            </a:r>
-          </a:p>
-        </p:txBody>
-      </p:sp>
-      <p:sp>
-        <p:nvSpPr>
-          <p:cNvPr id="11" name="Timestamp5">
-            <a:extLst>
-              <a:ext uri="{FF2B5EF4-FFF2-40B4-BE49-F238E27FC236}">
-                <a16:creationId xmlns:a16="http://schemas.microsoft.com/office/drawing/2014/main" id="{D4292374-374B-00ED-CCE0-EA80822E9AA2}"/>
+              <a:t>Medium length ............................................ 00:40</a:t>
+            </a:r>
+          </a:p>
+        </p:txBody>
+      </p:sp>
+      <p:sp>
+        <p:nvSpPr>
+          <p:cNvPr id="16" name="Timestamp5">
+            <a:extLst>
+              <a:ext uri="{FF2B5EF4-FFF2-40B4-BE49-F238E27FC236}">
+                <a16:creationId xmlns:a16="http://schemas.microsoft.com/office/drawing/2014/main" id="{F8C16B6D-8AB3-2341-4F81-1F68279CC5F5}"/>
               </a:ext>
             </a:extLst>
           </p:cNvPr>
@@ -3722,12 +3722,12 @@
           <a:noFill/>
         </p:spPr>
         <p:txBody>
-          <a:bodyPr vert="horz" wrap="square" tIns="0" rtlCol="0">
+          <a:bodyPr vert="horz" wrap="none" tIns="0" rtlCol="0">
             <a:noAutofit/>
           </a:bodyPr>
           <a:lstStyle/>
           <a:p>
-            <a:pPr>
+            <a:pPr algn="r">
               <a:lnSpc>
                 <a:spcPct val="130000"/>
               </a:lnSpc>
@@ -3739,7 +3739,7 @@
                 </a:solidFill>
                 <a:latin typeface="Energy Bold"/>
               </a:rPr>
-              <a:t>Timestamp 5 . . . . . . . . . . . . . . . . . . . . . . . . . . . . 00:00</a:t>
+              <a:t>Another long timestamp text here ....... 00:50</a:t>
             </a:r>
           </a:p>
         </p:txBody>
@@ -3747,7 +3747,7 @@
     </p:spTree>
     <p:extLst>
       <p:ext uri="{BB962C8B-B14F-4D97-AF65-F5344CB8AC3E}">
-        <p14:creationId xmlns:p14="http://schemas.microsoft.com/office/powerpoint/2010/main" val="187909255"/>
+        <p14:creationId xmlns:p14="http://schemas.microsoft.com/office/powerpoint/2010/main" val="3152995950"/>
       </p:ext>
     </p:extLst>
   </p:cSld>
@@ -3968,7 +3968,7 @@
                                           </p:stCondLst>
                                         </p:cTn>
                                         <p:tgtEl>
-                                          <p:spTgt spid="7"/>
+                                          <p:spTgt spid="8"/>
                                         </p:tgtEl>
                                         <p:attrNameLst>
                                           <p:attrName>style.visibility</p:attrName>
@@ -3982,7 +3982,7 @@
                                       <p:cBhvr>
                                         <p:cTn id="23" dur="300"/>
                                         <p:tgtEl>
-                                          <p:spTgt spid="7"/>
+                                          <p:spTgt spid="8"/>
                                         </p:tgtEl>
                                       </p:cBhvr>
                                     </p:animEffect>
@@ -4012,7 +4012,7 @@
                                           </p:stCondLst>
                                         </p:cTn>
                                         <p:tgtEl>
-                                          <p:spTgt spid="8"/>
+                                          <p:spTgt spid="10"/>
                                         </p:tgtEl>
                                         <p:attrNameLst>
                                           <p:attrName>style.visibility</p:attrName>
@@ -4026,7 +4026,7 @@
                                       <p:cBhvr>
                                         <p:cTn id="27" dur="300"/>
                                         <p:tgtEl>
-                                          <p:spTgt spid="8"/>
+                                          <p:spTgt spid="10"/>
                                         </p:tgtEl>
                                       </p:cBhvr>
                                     </p:animEffect>
@@ -4056,7 +4056,7 @@
                                           </p:stCondLst>
                                         </p:cTn>
                                         <p:tgtEl>
-                                          <p:spTgt spid="9"/>
+                                          <p:spTgt spid="12"/>
                                         </p:tgtEl>
                                         <p:attrNameLst>
                                           <p:attrName>style.visibility</p:attrName>
@@ -4070,7 +4070,7 @@
                                       <p:cBhvr>
                                         <p:cTn id="31" dur="300"/>
                                         <p:tgtEl>
-                                          <p:spTgt spid="9"/>
+                                          <p:spTgt spid="12"/>
                                         </p:tgtEl>
                                       </p:cBhvr>
                                     </p:animEffect>
@@ -4100,7 +4100,7 @@
                                           </p:stCondLst>
                                         </p:cTn>
                                         <p:tgtEl>
-                                          <p:spTgt spid="10"/>
+                                          <p:spTgt spid="14"/>
                                         </p:tgtEl>
                                         <p:attrNameLst>
                                           <p:attrName>style.visibility</p:attrName>
@@ -4114,7 +4114,7 @@
                                       <p:cBhvr>
                                         <p:cTn id="35" dur="300"/>
                                         <p:tgtEl>
-                                          <p:spTgt spid="10"/>
+                                          <p:spTgt spid="14"/>
                                         </p:tgtEl>
                                       </p:cBhvr>
                                     </p:animEffect>
@@ -4144,7 +4144,7 @@
                                           </p:stCondLst>
                                         </p:cTn>
                                         <p:tgtEl>
-                                          <p:spTgt spid="11"/>
+                                          <p:spTgt spid="16"/>
                                         </p:tgtEl>
                                         <p:attrNameLst>
                                           <p:attrName>style.visibility</p:attrName>
@@ -4158,7 +4158,7 @@
                                       <p:cBhvr>
                                         <p:cTn id="39" dur="300"/>
                                         <p:tgtEl>
-                                          <p:spTgt spid="11"/>
+                                          <p:spTgt spid="16"/>
                                         </p:tgtEl>
                                       </p:cBhvr>
                                     </p:animEffect>
@@ -4197,11 +4197,11 @@
       <p:bldP spid="3" grpId="0"/>
       <p:bldP spid="5" grpId="0"/>
       <p:bldP spid="6" grpId="0"/>
-      <p:bldP spid="7" grpId="0"/>
       <p:bldP spid="8" grpId="0"/>
-      <p:bldP spid="9" grpId="0"/>
       <p:bldP spid="10" grpId="0"/>
-      <p:bldP spid="11" grpId="0"/>
+      <p:bldP spid="12" grpId="0"/>
+      <p:bldP spid="14" grpId="0"/>
+      <p:bldP spid="16" grpId="0"/>
     </p:bldLst>
   </p:timing>
 </p:sld>
